--- a/documents/posters/Varshneya_Samdarshi_SoCalSystemsBio_2017_poster.pptx
+++ b/documents/posters/Varshneya_Samdarshi_SoCalSystemsBio_2017_poster.pptx
@@ -240,2746 +240,6 @@
     </p:ext>
   </p:extLst>
 </p:presentation>
-</file>
-
-<file path=ppt/diagrams/colors1.xml><?xml version="1.0" encoding="utf-8"?>
-<dgm:colorsDef xmlns:dgm="http://schemas.openxmlformats.org/drawingml/2006/diagram" xmlns:a="http://schemas.openxmlformats.org/drawingml/2006/main" uniqueId="urn:microsoft.com/office/officeart/2005/8/colors/accent1_2">
-  <dgm:title val=""/>
-  <dgm:desc val=""/>
-  <dgm:catLst>
-    <dgm:cat type="accent1" pri="11200"/>
-  </dgm:catLst>
-  <dgm:styleLbl name="node0">
-    <dgm:fillClrLst meth="repeat">
-      <a:schemeClr val="accent1"/>
-    </dgm:fillClrLst>
-    <dgm:linClrLst meth="repeat">
-      <a:schemeClr val="lt1"/>
-    </dgm:linClrLst>
-    <dgm:effectClrLst/>
-    <dgm:txLinClrLst/>
-    <dgm:txFillClrLst/>
-    <dgm:txEffectClrLst/>
-  </dgm:styleLbl>
-  <dgm:styleLbl name="alignNode1">
-    <dgm:fillClrLst meth="repeat">
-      <a:schemeClr val="accent1"/>
-    </dgm:fillClrLst>
-    <dgm:linClrLst meth="repeat">
-      <a:schemeClr val="accent1"/>
-    </dgm:linClrLst>
-    <dgm:effectClrLst/>
-    <dgm:txLinClrLst/>
-    <dgm:txFillClrLst/>
-    <dgm:txEffectClrLst/>
-  </dgm:styleLbl>
-  <dgm:styleLbl name="node1">
-    <dgm:fillClrLst meth="repeat">
-      <a:schemeClr val="accent1"/>
-    </dgm:fillClrLst>
-    <dgm:linClrLst meth="repeat">
-      <a:schemeClr val="lt1"/>
-    </dgm:linClrLst>
-    <dgm:effectClrLst/>
-    <dgm:txLinClrLst/>
-    <dgm:txFillClrLst/>
-    <dgm:txEffectClrLst/>
-  </dgm:styleLbl>
-  <dgm:styleLbl name="lnNode1">
-    <dgm:fillClrLst meth="repeat">
-      <a:schemeClr val="accent1"/>
-    </dgm:fillClrLst>
-    <dgm:linClrLst meth="repeat">
-      <a:schemeClr val="lt1"/>
-    </dgm:linClrLst>
-    <dgm:effectClrLst/>
-    <dgm:txLinClrLst/>
-    <dgm:txFillClrLst/>
-    <dgm:txEffectClrLst/>
-  </dgm:styleLbl>
-  <dgm:styleLbl name="vennNode1">
-    <dgm:fillClrLst meth="repeat">
-      <a:schemeClr val="accent1">
-        <a:alpha val="50000"/>
-      </a:schemeClr>
-    </dgm:fillClrLst>
-    <dgm:linClrLst meth="repeat">
-      <a:schemeClr val="lt1"/>
-    </dgm:linClrLst>
-    <dgm:effectClrLst/>
-    <dgm:txLinClrLst/>
-    <dgm:txFillClrLst/>
-    <dgm:txEffectClrLst/>
-  </dgm:styleLbl>
-  <dgm:styleLbl name="node2">
-    <dgm:fillClrLst meth="repeat">
-      <a:schemeClr val="accent1"/>
-    </dgm:fillClrLst>
-    <dgm:linClrLst meth="repeat">
-      <a:schemeClr val="lt1"/>
-    </dgm:linClrLst>
-    <dgm:effectClrLst/>
-    <dgm:txLinClrLst/>
-    <dgm:txFillClrLst/>
-    <dgm:txEffectClrLst/>
-  </dgm:styleLbl>
-  <dgm:styleLbl name="node3">
-    <dgm:fillClrLst meth="repeat">
-      <a:schemeClr val="accent1"/>
-    </dgm:fillClrLst>
-    <dgm:linClrLst meth="repeat">
-      <a:schemeClr val="lt1"/>
-    </dgm:linClrLst>
-    <dgm:effectClrLst/>
-    <dgm:txLinClrLst/>
-    <dgm:txFillClrLst/>
-    <dgm:txEffectClrLst/>
-  </dgm:styleLbl>
-  <dgm:styleLbl name="node4">
-    <dgm:fillClrLst meth="repeat">
-      <a:schemeClr val="accent1"/>
-    </dgm:fillClrLst>
-    <dgm:linClrLst meth="repeat">
-      <a:schemeClr val="lt1"/>
-    </dgm:linClrLst>
-    <dgm:effectClrLst/>
-    <dgm:txLinClrLst/>
-    <dgm:txFillClrLst/>
-    <dgm:txEffectClrLst/>
-  </dgm:styleLbl>
-  <dgm:styleLbl name="fgImgPlace1">
-    <dgm:fillClrLst meth="repeat">
-      <a:schemeClr val="accent1">
-        <a:tint val="50000"/>
-      </a:schemeClr>
-    </dgm:fillClrLst>
-    <dgm:linClrLst meth="repeat">
-      <a:schemeClr val="lt1"/>
-    </dgm:linClrLst>
-    <dgm:effectClrLst/>
-    <dgm:txLinClrLst/>
-    <dgm:txFillClrLst meth="repeat">
-      <a:schemeClr val="lt1"/>
-    </dgm:txFillClrLst>
-    <dgm:txEffectClrLst/>
-  </dgm:styleLbl>
-  <dgm:styleLbl name="alignImgPlace1">
-    <dgm:fillClrLst meth="repeat">
-      <a:schemeClr val="accent1">
-        <a:tint val="50000"/>
-      </a:schemeClr>
-    </dgm:fillClrLst>
-    <dgm:linClrLst meth="repeat">
-      <a:schemeClr val="lt1"/>
-    </dgm:linClrLst>
-    <dgm:effectClrLst/>
-    <dgm:txLinClrLst/>
-    <dgm:txFillClrLst meth="repeat">
-      <a:schemeClr val="lt1"/>
-    </dgm:txFillClrLst>
-    <dgm:txEffectClrLst/>
-  </dgm:styleLbl>
-  <dgm:styleLbl name="bgImgPlace1">
-    <dgm:fillClrLst meth="repeat">
-      <a:schemeClr val="accent1">
-        <a:tint val="50000"/>
-      </a:schemeClr>
-    </dgm:fillClrLst>
-    <dgm:linClrLst meth="repeat">
-      <a:schemeClr val="lt1"/>
-    </dgm:linClrLst>
-    <dgm:effectClrLst/>
-    <dgm:txLinClrLst/>
-    <dgm:txFillClrLst meth="repeat">
-      <a:schemeClr val="lt1"/>
-    </dgm:txFillClrLst>
-    <dgm:txEffectClrLst/>
-  </dgm:styleLbl>
-  <dgm:styleLbl name="sibTrans2D1">
-    <dgm:fillClrLst meth="repeat">
-      <a:schemeClr val="accent1">
-        <a:tint val="60000"/>
-      </a:schemeClr>
-    </dgm:fillClrLst>
-    <dgm:linClrLst meth="repeat">
-      <a:schemeClr val="accent1">
-        <a:tint val="60000"/>
-      </a:schemeClr>
-    </dgm:linClrLst>
-    <dgm:effectClrLst/>
-    <dgm:txLinClrLst/>
-    <dgm:txFillClrLst/>
-    <dgm:txEffectClrLst/>
-  </dgm:styleLbl>
-  <dgm:styleLbl name="fgSibTrans2D1">
-    <dgm:fillClrLst meth="repeat">
-      <a:schemeClr val="accent1">
-        <a:tint val="60000"/>
-      </a:schemeClr>
-    </dgm:fillClrLst>
-    <dgm:linClrLst meth="repeat">
-      <a:schemeClr val="accent1">
-        <a:tint val="60000"/>
-      </a:schemeClr>
-    </dgm:linClrLst>
-    <dgm:effectClrLst/>
-    <dgm:txLinClrLst/>
-    <dgm:txFillClrLst/>
-    <dgm:txEffectClrLst/>
-  </dgm:styleLbl>
-  <dgm:styleLbl name="bgSibTrans2D1">
-    <dgm:fillClrLst meth="repeat">
-      <a:schemeClr val="accent1">
-        <a:tint val="60000"/>
-      </a:schemeClr>
-    </dgm:fillClrLst>
-    <dgm:linClrLst meth="repeat">
-      <a:schemeClr val="accent1">
-        <a:tint val="60000"/>
-      </a:schemeClr>
-    </dgm:linClrLst>
-    <dgm:effectClrLst/>
-    <dgm:txLinClrLst/>
-    <dgm:txFillClrLst/>
-    <dgm:txEffectClrLst/>
-  </dgm:styleLbl>
-  <dgm:styleLbl name="sibTrans1D1">
-    <dgm:fillClrLst meth="repeat">
-      <a:schemeClr val="accent1"/>
-    </dgm:fillClrLst>
-    <dgm:linClrLst meth="repeat">
-      <a:schemeClr val="accent1"/>
-    </dgm:linClrLst>
-    <dgm:effectClrLst/>
-    <dgm:txLinClrLst/>
-    <dgm:txFillClrLst meth="repeat">
-      <a:schemeClr val="tx1"/>
-    </dgm:txFillClrLst>
-    <dgm:txEffectClrLst/>
-  </dgm:styleLbl>
-  <dgm:styleLbl name="callout">
-    <dgm:fillClrLst meth="repeat">
-      <a:schemeClr val="accent1"/>
-    </dgm:fillClrLst>
-    <dgm:linClrLst meth="repeat">
-      <a:schemeClr val="accent1">
-        <a:tint val="50000"/>
-      </a:schemeClr>
-    </dgm:linClrLst>
-    <dgm:effectClrLst/>
-    <dgm:txLinClrLst/>
-    <dgm:txFillClrLst meth="repeat">
-      <a:schemeClr val="tx1"/>
-    </dgm:txFillClrLst>
-    <dgm:txEffectClrLst/>
-  </dgm:styleLbl>
-  <dgm:styleLbl name="asst0">
-    <dgm:fillClrLst meth="repeat">
-      <a:schemeClr val="accent1"/>
-    </dgm:fillClrLst>
-    <dgm:linClrLst meth="repeat">
-      <a:schemeClr val="lt1"/>
-    </dgm:linClrLst>
-    <dgm:effectClrLst/>
-    <dgm:txLinClrLst/>
-    <dgm:txFillClrLst/>
-    <dgm:txEffectClrLst/>
-  </dgm:styleLbl>
-  <dgm:styleLbl name="asst1">
-    <dgm:fillClrLst meth="repeat">
-      <a:schemeClr val="accent1"/>
-    </dgm:fillClrLst>
-    <dgm:linClrLst meth="repeat">
-      <a:schemeClr val="lt1"/>
-    </dgm:linClrLst>
-    <dgm:effectClrLst/>
-    <dgm:txLinClrLst/>
-    <dgm:txFillClrLst/>
-    <dgm:txEffectClrLst/>
-  </dgm:styleLbl>
-  <dgm:styleLbl name="asst2">
-    <dgm:fillClrLst meth="repeat">
-      <a:schemeClr val="accent1"/>
-    </dgm:fillClrLst>
-    <dgm:linClrLst meth="repeat">
-      <a:schemeClr val="lt1"/>
-    </dgm:linClrLst>
-    <dgm:effectClrLst/>
-    <dgm:txLinClrLst/>
-    <dgm:txFillClrLst/>
-    <dgm:txEffectClrLst/>
-  </dgm:styleLbl>
-  <dgm:styleLbl name="asst3">
-    <dgm:fillClrLst meth="repeat">
-      <a:schemeClr val="accent1"/>
-    </dgm:fillClrLst>
-    <dgm:linClrLst meth="repeat">
-      <a:schemeClr val="lt1"/>
-    </dgm:linClrLst>
-    <dgm:effectClrLst/>
-    <dgm:txLinClrLst/>
-    <dgm:txFillClrLst/>
-    <dgm:txEffectClrLst/>
-  </dgm:styleLbl>
-  <dgm:styleLbl name="asst4">
-    <dgm:fillClrLst meth="repeat">
-      <a:schemeClr val="accent1"/>
-    </dgm:fillClrLst>
-    <dgm:linClrLst meth="repeat">
-      <a:schemeClr val="lt1"/>
-    </dgm:linClrLst>
-    <dgm:effectClrLst/>
-    <dgm:txLinClrLst/>
-    <dgm:txFillClrLst/>
-    <dgm:txEffectClrLst/>
-  </dgm:styleLbl>
-  <dgm:styleLbl name="parChTrans2D1">
-    <dgm:fillClrLst meth="repeat">
-      <a:schemeClr val="accent1">
-        <a:tint val="60000"/>
-      </a:schemeClr>
-    </dgm:fillClrLst>
-    <dgm:linClrLst meth="repeat">
-      <a:schemeClr val="accent1">
-        <a:tint val="60000"/>
-      </a:schemeClr>
-    </dgm:linClrLst>
-    <dgm:effectClrLst/>
-    <dgm:txLinClrLst/>
-    <dgm:txFillClrLst meth="repeat">
-      <a:schemeClr val="lt1"/>
-    </dgm:txFillClrLst>
-    <dgm:txEffectClrLst/>
-  </dgm:styleLbl>
-  <dgm:styleLbl name="parChTrans2D2">
-    <dgm:fillClrLst meth="repeat">
-      <a:schemeClr val="accent1"/>
-    </dgm:fillClrLst>
-    <dgm:linClrLst meth="repeat">
-      <a:schemeClr val="accent1"/>
-    </dgm:linClrLst>
-    <dgm:effectClrLst/>
-    <dgm:txLinClrLst/>
-    <dgm:txFillClrLst meth="repeat">
-      <a:schemeClr val="lt1"/>
-    </dgm:txFillClrLst>
-    <dgm:txEffectClrLst/>
-  </dgm:styleLbl>
-  <dgm:styleLbl name="parChTrans2D3">
-    <dgm:fillClrLst meth="repeat">
-      <a:schemeClr val="accent1"/>
-    </dgm:fillClrLst>
-    <dgm:linClrLst meth="repeat">
-      <a:schemeClr val="accent1"/>
-    </dgm:linClrLst>
-    <dgm:effectClrLst/>
-    <dgm:txLinClrLst/>
-    <dgm:txFillClrLst meth="repeat">
-      <a:schemeClr val="lt1"/>
-    </dgm:txFillClrLst>
-    <dgm:txEffectClrLst/>
-  </dgm:styleLbl>
-  <dgm:styleLbl name="parChTrans2D4">
-    <dgm:fillClrLst meth="repeat">
-      <a:schemeClr val="accent1"/>
-    </dgm:fillClrLst>
-    <dgm:linClrLst meth="repeat">
-      <a:schemeClr val="accent1"/>
-    </dgm:linClrLst>
-    <dgm:effectClrLst/>
-    <dgm:txLinClrLst/>
-    <dgm:txFillClrLst meth="repeat">
-      <a:schemeClr val="lt1"/>
-    </dgm:txFillClrLst>
-    <dgm:txEffectClrLst/>
-  </dgm:styleLbl>
-  <dgm:styleLbl name="parChTrans1D1">
-    <dgm:fillClrLst meth="repeat">
-      <a:schemeClr val="accent1"/>
-    </dgm:fillClrLst>
-    <dgm:linClrLst meth="repeat">
-      <a:schemeClr val="accent1">
-        <a:shade val="60000"/>
-      </a:schemeClr>
-    </dgm:linClrLst>
-    <dgm:effectClrLst/>
-    <dgm:txLinClrLst/>
-    <dgm:txFillClrLst meth="repeat">
-      <a:schemeClr val="tx1"/>
-    </dgm:txFillClrLst>
-    <dgm:txEffectClrLst/>
-  </dgm:styleLbl>
-  <dgm:styleLbl name="parChTrans1D2">
-    <dgm:fillClrLst meth="repeat">
-      <a:schemeClr val="accent1"/>
-    </dgm:fillClrLst>
-    <dgm:linClrLst meth="repeat">
-      <a:schemeClr val="accent1">
-        <a:shade val="60000"/>
-      </a:schemeClr>
-    </dgm:linClrLst>
-    <dgm:effectClrLst/>
-    <dgm:txLinClrLst/>
-    <dgm:txFillClrLst meth="repeat">
-      <a:schemeClr val="tx1"/>
-    </dgm:txFillClrLst>
-    <dgm:txEffectClrLst/>
-  </dgm:styleLbl>
-  <dgm:styleLbl name="parChTrans1D3">
-    <dgm:fillClrLst meth="repeat">
-      <a:schemeClr val="accent1"/>
-    </dgm:fillClrLst>
-    <dgm:linClrLst meth="repeat">
-      <a:schemeClr val="accent1">
-        <a:shade val="80000"/>
-      </a:schemeClr>
-    </dgm:linClrLst>
-    <dgm:effectClrLst/>
-    <dgm:txLinClrLst/>
-    <dgm:txFillClrLst meth="repeat">
-      <a:schemeClr val="tx1"/>
-    </dgm:txFillClrLst>
-    <dgm:txEffectClrLst/>
-  </dgm:styleLbl>
-  <dgm:styleLbl name="parChTrans1D4">
-    <dgm:fillClrLst meth="repeat">
-      <a:schemeClr val="accent1"/>
-    </dgm:fillClrLst>
-    <dgm:linClrLst meth="repeat">
-      <a:schemeClr val="accent1">
-        <a:shade val="80000"/>
-      </a:schemeClr>
-    </dgm:linClrLst>
-    <dgm:effectClrLst/>
-    <dgm:txLinClrLst/>
-    <dgm:txFillClrLst meth="repeat">
-      <a:schemeClr val="tx1"/>
-    </dgm:txFillClrLst>
-    <dgm:txEffectClrLst/>
-  </dgm:styleLbl>
-  <dgm:styleLbl name="fgAcc1">
-    <dgm:fillClrLst meth="repeat">
-      <a:schemeClr val="lt1">
-        <a:alpha val="90000"/>
-      </a:schemeClr>
-    </dgm:fillClrLst>
-    <dgm:linClrLst meth="repeat">
-      <a:schemeClr val="accent1"/>
-    </dgm:linClrLst>
-    <dgm:effectClrLst/>
-    <dgm:txLinClrLst/>
-    <dgm:txFillClrLst meth="repeat">
-      <a:schemeClr val="dk1"/>
-    </dgm:txFillClrLst>
-    <dgm:txEffectClrLst/>
-  </dgm:styleLbl>
-  <dgm:styleLbl name="conFgAcc1">
-    <dgm:fillClrLst meth="repeat">
-      <a:schemeClr val="lt1">
-        <a:alpha val="90000"/>
-      </a:schemeClr>
-    </dgm:fillClrLst>
-    <dgm:linClrLst meth="repeat">
-      <a:schemeClr val="accent1"/>
-    </dgm:linClrLst>
-    <dgm:effectClrLst/>
-    <dgm:txLinClrLst/>
-    <dgm:txFillClrLst meth="repeat">
-      <a:schemeClr val="dk1"/>
-    </dgm:txFillClrLst>
-    <dgm:txEffectClrLst/>
-  </dgm:styleLbl>
-  <dgm:styleLbl name="alignAcc1">
-    <dgm:fillClrLst meth="repeat">
-      <a:schemeClr val="lt1">
-        <a:alpha val="90000"/>
-      </a:schemeClr>
-    </dgm:fillClrLst>
-    <dgm:linClrLst meth="repeat">
-      <a:schemeClr val="accent1"/>
-    </dgm:linClrLst>
-    <dgm:effectClrLst/>
-    <dgm:txLinClrLst/>
-    <dgm:txFillClrLst meth="repeat">
-      <a:schemeClr val="dk1"/>
-    </dgm:txFillClrLst>
-    <dgm:txEffectClrLst/>
-  </dgm:styleLbl>
-  <dgm:styleLbl name="trAlignAcc1">
-    <dgm:fillClrLst meth="repeat">
-      <a:schemeClr val="lt1">
-        <a:alpha val="40000"/>
-      </a:schemeClr>
-    </dgm:fillClrLst>
-    <dgm:linClrLst meth="repeat">
-      <a:schemeClr val="accent1"/>
-    </dgm:linClrLst>
-    <dgm:effectClrLst/>
-    <dgm:txLinClrLst/>
-    <dgm:txFillClrLst meth="repeat">
-      <a:schemeClr val="dk1"/>
-    </dgm:txFillClrLst>
-    <dgm:txEffectClrLst/>
-  </dgm:styleLbl>
-  <dgm:styleLbl name="bgAcc1">
-    <dgm:fillClrLst meth="repeat">
-      <a:schemeClr val="lt1">
-        <a:alpha val="90000"/>
-      </a:schemeClr>
-    </dgm:fillClrLst>
-    <dgm:linClrLst meth="repeat">
-      <a:schemeClr val="accent1"/>
-    </dgm:linClrLst>
-    <dgm:effectClrLst/>
-    <dgm:txLinClrLst/>
-    <dgm:txFillClrLst meth="repeat">
-      <a:schemeClr val="dk1"/>
-    </dgm:txFillClrLst>
-    <dgm:txEffectClrLst/>
-  </dgm:styleLbl>
-  <dgm:styleLbl name="solidFgAcc1">
-    <dgm:fillClrLst meth="repeat">
-      <a:schemeClr val="lt1"/>
-    </dgm:fillClrLst>
-    <dgm:linClrLst meth="repeat">
-      <a:schemeClr val="accent1"/>
-    </dgm:linClrLst>
-    <dgm:effectClrLst/>
-    <dgm:txLinClrLst/>
-    <dgm:txFillClrLst meth="repeat">
-      <a:schemeClr val="dk1"/>
-    </dgm:txFillClrLst>
-    <dgm:txEffectClrLst/>
-  </dgm:styleLbl>
-  <dgm:styleLbl name="solidAlignAcc1">
-    <dgm:fillClrLst meth="repeat">
-      <a:schemeClr val="lt1"/>
-    </dgm:fillClrLst>
-    <dgm:linClrLst meth="repeat">
-      <a:schemeClr val="accent1"/>
-    </dgm:linClrLst>
-    <dgm:effectClrLst/>
-    <dgm:txLinClrLst/>
-    <dgm:txFillClrLst meth="repeat">
-      <a:schemeClr val="dk1"/>
-    </dgm:txFillClrLst>
-    <dgm:txEffectClrLst/>
-  </dgm:styleLbl>
-  <dgm:styleLbl name="solidBgAcc1">
-    <dgm:fillClrLst meth="repeat">
-      <a:schemeClr val="lt1"/>
-    </dgm:fillClrLst>
-    <dgm:linClrLst meth="repeat">
-      <a:schemeClr val="accent1"/>
-    </dgm:linClrLst>
-    <dgm:effectClrLst/>
-    <dgm:txLinClrLst/>
-    <dgm:txFillClrLst meth="repeat">
-      <a:schemeClr val="dk1"/>
-    </dgm:txFillClrLst>
-    <dgm:txEffectClrLst/>
-  </dgm:styleLbl>
-  <dgm:styleLbl name="fgAccFollowNode1">
-    <dgm:fillClrLst meth="repeat">
-      <a:schemeClr val="accent1">
-        <a:alpha val="90000"/>
-        <a:tint val="40000"/>
-      </a:schemeClr>
-    </dgm:fillClrLst>
-    <dgm:linClrLst meth="repeat">
-      <a:schemeClr val="accent1">
-        <a:alpha val="90000"/>
-        <a:tint val="40000"/>
-      </a:schemeClr>
-    </dgm:linClrLst>
-    <dgm:effectClrLst/>
-    <dgm:txLinClrLst/>
-    <dgm:txFillClrLst meth="repeat">
-      <a:schemeClr val="dk1"/>
-    </dgm:txFillClrLst>
-    <dgm:txEffectClrLst/>
-  </dgm:styleLbl>
-  <dgm:styleLbl name="alignAccFollowNode1">
-    <dgm:fillClrLst meth="repeat">
-      <a:schemeClr val="accent1">
-        <a:alpha val="90000"/>
-        <a:tint val="40000"/>
-      </a:schemeClr>
-    </dgm:fillClrLst>
-    <dgm:linClrLst meth="repeat">
-      <a:schemeClr val="accent1">
-        <a:alpha val="90000"/>
-        <a:tint val="40000"/>
-      </a:schemeClr>
-    </dgm:linClrLst>
-    <dgm:effectClrLst/>
-    <dgm:txLinClrLst/>
-    <dgm:txFillClrLst meth="repeat">
-      <a:schemeClr val="dk1"/>
-    </dgm:txFillClrLst>
-    <dgm:txEffectClrLst/>
-  </dgm:styleLbl>
-  <dgm:styleLbl name="bgAccFollowNode1">
-    <dgm:fillClrLst meth="repeat">
-      <a:schemeClr val="accent1">
-        <a:alpha val="90000"/>
-        <a:tint val="40000"/>
-      </a:schemeClr>
-    </dgm:fillClrLst>
-    <dgm:linClrLst meth="repeat">
-      <a:schemeClr val="accent1">
-        <a:alpha val="90000"/>
-        <a:tint val="40000"/>
-      </a:schemeClr>
-    </dgm:linClrLst>
-    <dgm:effectClrLst/>
-    <dgm:txLinClrLst/>
-    <dgm:txFillClrLst meth="repeat">
-      <a:schemeClr val="dk1"/>
-    </dgm:txFillClrLst>
-    <dgm:txEffectClrLst/>
-  </dgm:styleLbl>
-  <dgm:styleLbl name="fgAcc0">
-    <dgm:fillClrLst meth="repeat">
-      <a:schemeClr val="lt1">
-        <a:alpha val="90000"/>
-      </a:schemeClr>
-    </dgm:fillClrLst>
-    <dgm:linClrLst meth="repeat">
-      <a:schemeClr val="accent1"/>
-    </dgm:linClrLst>
-    <dgm:effectClrLst/>
-    <dgm:txLinClrLst/>
-    <dgm:txFillClrLst meth="repeat">
-      <a:schemeClr val="dk1"/>
-    </dgm:txFillClrLst>
-    <dgm:txEffectClrLst/>
-  </dgm:styleLbl>
-  <dgm:styleLbl name="fgAcc2">
-    <dgm:fillClrLst meth="repeat">
-      <a:schemeClr val="lt1">
-        <a:alpha val="90000"/>
-      </a:schemeClr>
-    </dgm:fillClrLst>
-    <dgm:linClrLst meth="repeat">
-      <a:schemeClr val="accent1"/>
-    </dgm:linClrLst>
-    <dgm:effectClrLst/>
-    <dgm:txLinClrLst/>
-    <dgm:txFillClrLst meth="repeat">
-      <a:schemeClr val="dk1"/>
-    </dgm:txFillClrLst>
-    <dgm:txEffectClrLst/>
-  </dgm:styleLbl>
-  <dgm:styleLbl name="fgAcc3">
-    <dgm:fillClrLst meth="repeat">
-      <a:schemeClr val="lt1">
-        <a:alpha val="90000"/>
-      </a:schemeClr>
-    </dgm:fillClrLst>
-    <dgm:linClrLst meth="repeat">
-      <a:schemeClr val="accent1"/>
-    </dgm:linClrLst>
-    <dgm:effectClrLst/>
-    <dgm:txLinClrLst/>
-    <dgm:txFillClrLst meth="repeat">
-      <a:schemeClr val="dk1"/>
-    </dgm:txFillClrLst>
-    <dgm:txEffectClrLst/>
-  </dgm:styleLbl>
-  <dgm:styleLbl name="fgAcc4">
-    <dgm:fillClrLst meth="repeat">
-      <a:schemeClr val="lt1">
-        <a:alpha val="90000"/>
-      </a:schemeClr>
-    </dgm:fillClrLst>
-    <dgm:linClrLst meth="repeat">
-      <a:schemeClr val="accent1"/>
-    </dgm:linClrLst>
-    <dgm:effectClrLst/>
-    <dgm:txLinClrLst/>
-    <dgm:txFillClrLst meth="repeat">
-      <a:schemeClr val="dk1"/>
-    </dgm:txFillClrLst>
-    <dgm:txEffectClrLst/>
-  </dgm:styleLbl>
-  <dgm:styleLbl name="bgShp">
-    <dgm:fillClrLst meth="repeat">
-      <a:schemeClr val="accent1">
-        <a:tint val="40000"/>
-      </a:schemeClr>
-    </dgm:fillClrLst>
-    <dgm:linClrLst meth="repeat">
-      <a:schemeClr val="accent1"/>
-    </dgm:linClrLst>
-    <dgm:effectClrLst/>
-    <dgm:txLinClrLst/>
-    <dgm:txFillClrLst meth="repeat">
-      <a:schemeClr val="dk1"/>
-    </dgm:txFillClrLst>
-    <dgm:txEffectClrLst/>
-  </dgm:styleLbl>
-  <dgm:styleLbl name="dkBgShp">
-    <dgm:fillClrLst meth="repeat">
-      <a:schemeClr val="accent1">
-        <a:shade val="80000"/>
-      </a:schemeClr>
-    </dgm:fillClrLst>
-    <dgm:linClrLst meth="repeat">
-      <a:schemeClr val="accent1"/>
-    </dgm:linClrLst>
-    <dgm:effectClrLst/>
-    <dgm:txLinClrLst/>
-    <dgm:txFillClrLst meth="repeat">
-      <a:schemeClr val="lt1"/>
-    </dgm:txFillClrLst>
-    <dgm:txEffectClrLst/>
-  </dgm:styleLbl>
-  <dgm:styleLbl name="trBgShp">
-    <dgm:fillClrLst meth="repeat">
-      <a:schemeClr val="accent1">
-        <a:tint val="50000"/>
-        <a:alpha val="40000"/>
-      </a:schemeClr>
-    </dgm:fillClrLst>
-    <dgm:linClrLst meth="repeat">
-      <a:schemeClr val="accent1"/>
-    </dgm:linClrLst>
-    <dgm:effectClrLst/>
-    <dgm:txLinClrLst/>
-    <dgm:txFillClrLst meth="repeat">
-      <a:schemeClr val="lt1"/>
-    </dgm:txFillClrLst>
-    <dgm:txEffectClrLst/>
-  </dgm:styleLbl>
-  <dgm:styleLbl name="fgShp">
-    <dgm:fillClrLst meth="repeat">
-      <a:schemeClr val="accent1">
-        <a:tint val="60000"/>
-      </a:schemeClr>
-    </dgm:fillClrLst>
-    <dgm:linClrLst meth="repeat">
-      <a:schemeClr val="lt1"/>
-    </dgm:linClrLst>
-    <dgm:effectClrLst/>
-    <dgm:txLinClrLst/>
-    <dgm:txFillClrLst meth="repeat">
-      <a:schemeClr val="dk1"/>
-    </dgm:txFillClrLst>
-    <dgm:txEffectClrLst/>
-  </dgm:styleLbl>
-  <dgm:styleLbl name="revTx">
-    <dgm:fillClrLst meth="repeat">
-      <a:schemeClr val="lt1">
-        <a:alpha val="0"/>
-      </a:schemeClr>
-    </dgm:fillClrLst>
-    <dgm:linClrLst meth="repeat">
-      <a:schemeClr val="dk1">
-        <a:alpha val="0"/>
-      </a:schemeClr>
-    </dgm:linClrLst>
-    <dgm:effectClrLst/>
-    <dgm:txLinClrLst/>
-    <dgm:txFillClrLst meth="repeat">
-      <a:schemeClr val="tx1"/>
-    </dgm:txFillClrLst>
-    <dgm:txEffectClrLst/>
-  </dgm:styleLbl>
-</dgm:colorsDef>
-</file>
-
-<file path=ppt/diagrams/data1.xml><?xml version="1.0" encoding="utf-8"?>
-<dgm:dataModel xmlns:dgm="http://schemas.openxmlformats.org/drawingml/2006/diagram" xmlns:a="http://schemas.openxmlformats.org/drawingml/2006/main">
-  <dgm:ptLst>
-    <dgm:pt modelId="{1B4863FB-D47D-1E4C-8024-230FBE4CE702}" type="doc">
-      <dgm:prSet loTypeId="urn:microsoft.com/office/officeart/2005/8/layout/cycle5" loCatId="" qsTypeId="urn:microsoft.com/office/officeart/2005/8/quickstyle/simple3" qsCatId="simple" csTypeId="urn:microsoft.com/office/officeart/2005/8/colors/accent1_2" csCatId="accent1" phldr="1"/>
-      <dgm:spPr/>
-      <dgm:t>
-        <a:bodyPr/>
-        <a:lstStyle/>
-        <a:p>
-          <a:endParaRPr lang="en-US"/>
-        </a:p>
-      </dgm:t>
-    </dgm:pt>
-    <dgm:pt modelId="{D9CF44CB-7B06-B240-B62E-72AEA4B90F3D}">
-      <dgm:prSet phldrT="[Text]" custT="1"/>
-      <dgm:spPr>
-        <a:solidFill>
-          <a:schemeClr val="accent2"/>
-        </a:solidFill>
-      </dgm:spPr>
-      <dgm:t>
-        <a:bodyPr/>
-        <a:lstStyle/>
-        <a:p>
-          <a:r>
-            <a:rPr lang="en-US" sz="1600" b="1" dirty="0" smtClean="0">
-              <a:solidFill>
-                <a:schemeClr val="bg1"/>
-              </a:solidFill>
-            </a:rPr>
-            <a:t>Write test for new functionality</a:t>
-          </a:r>
-          <a:endParaRPr lang="en-US" sz="1600" b="1" dirty="0">
-            <a:solidFill>
-              <a:schemeClr val="bg1"/>
-            </a:solidFill>
-          </a:endParaRPr>
-        </a:p>
-      </dgm:t>
-    </dgm:pt>
-    <dgm:pt modelId="{8BC6ED0E-6BFC-F345-9409-3F904BA6B5C3}" type="parTrans" cxnId="{1E169250-418C-464D-9797-E1CF0070B177}">
-      <dgm:prSet/>
-      <dgm:spPr/>
-      <dgm:t>
-        <a:bodyPr/>
-        <a:lstStyle/>
-        <a:p>
-          <a:endParaRPr lang="en-US"/>
-        </a:p>
-      </dgm:t>
-    </dgm:pt>
-    <dgm:pt modelId="{2FFB08D6-61DA-CD4C-95C4-F703DC0AC5B5}" type="sibTrans" cxnId="{1E169250-418C-464D-9797-E1CF0070B177}">
-      <dgm:prSet/>
-      <dgm:spPr/>
-      <dgm:t>
-        <a:bodyPr/>
-        <a:lstStyle/>
-        <a:p>
-          <a:endParaRPr lang="en-US"/>
-        </a:p>
-      </dgm:t>
-    </dgm:pt>
-    <dgm:pt modelId="{5423F03B-3789-0B4D-AAFF-6AFF97D6FC82}">
-      <dgm:prSet phldrT="[Text]" custT="1"/>
-      <dgm:spPr>
-        <a:solidFill>
-          <a:schemeClr val="accent3"/>
-        </a:solidFill>
-      </dgm:spPr>
-      <dgm:t>
-        <a:bodyPr/>
-        <a:lstStyle/>
-        <a:p>
-          <a:r>
-            <a:rPr lang="en-US" sz="1600" b="1" dirty="0" smtClean="0">
-              <a:solidFill>
-                <a:srgbClr val="FFFFFF"/>
-              </a:solidFill>
-            </a:rPr>
-            <a:t>Write Code</a:t>
-          </a:r>
-          <a:endParaRPr lang="en-US" sz="1600" b="1" dirty="0">
-            <a:solidFill>
-              <a:srgbClr val="FFFFFF"/>
-            </a:solidFill>
-          </a:endParaRPr>
-        </a:p>
-      </dgm:t>
-    </dgm:pt>
-    <dgm:pt modelId="{80DBCBCD-4C68-5742-9DD9-76919B38C73A}" type="parTrans" cxnId="{982C75D6-C2CE-994D-9B1D-7F51FABEA22E}">
-      <dgm:prSet/>
-      <dgm:spPr/>
-      <dgm:t>
-        <a:bodyPr/>
-        <a:lstStyle/>
-        <a:p>
-          <a:endParaRPr lang="en-US"/>
-        </a:p>
-      </dgm:t>
-    </dgm:pt>
-    <dgm:pt modelId="{6AB06297-1EC9-CD4B-A812-2C58362D4075}" type="sibTrans" cxnId="{982C75D6-C2CE-994D-9B1D-7F51FABEA22E}">
-      <dgm:prSet/>
-      <dgm:spPr/>
-      <dgm:t>
-        <a:bodyPr/>
-        <a:lstStyle/>
-        <a:p>
-          <a:endParaRPr lang="en-US"/>
-        </a:p>
-      </dgm:t>
-    </dgm:pt>
-    <dgm:pt modelId="{62403A56-1F41-1D49-8BD4-0241DF5460E5}">
-      <dgm:prSet phldrT="[Text]" custT="1"/>
-      <dgm:spPr>
-        <a:solidFill>
-          <a:schemeClr val="accent1"/>
-        </a:solidFill>
-      </dgm:spPr>
-      <dgm:t>
-        <a:bodyPr/>
-        <a:lstStyle/>
-        <a:p>
-          <a:r>
-            <a:rPr lang="en-US" sz="1600" b="1" dirty="0" smtClean="0">
-              <a:solidFill>
-                <a:srgbClr val="FFFFFF"/>
-              </a:solidFill>
-            </a:rPr>
-            <a:t>Refactor Code</a:t>
-          </a:r>
-          <a:endParaRPr lang="en-US" sz="1600" b="1" dirty="0">
-            <a:solidFill>
-              <a:srgbClr val="FFFFFF"/>
-            </a:solidFill>
-          </a:endParaRPr>
-        </a:p>
-      </dgm:t>
-    </dgm:pt>
-    <dgm:pt modelId="{AFF8EEF3-B557-B849-955E-E0F0DCFBDE6E}" type="parTrans" cxnId="{6AA5B0AC-1B1C-1342-AA3A-9F3CEA723383}">
-      <dgm:prSet/>
-      <dgm:spPr/>
-      <dgm:t>
-        <a:bodyPr/>
-        <a:lstStyle/>
-        <a:p>
-          <a:endParaRPr lang="en-US"/>
-        </a:p>
-      </dgm:t>
-    </dgm:pt>
-    <dgm:pt modelId="{F6D8773C-175E-4C44-AEB4-42188B651BCF}" type="sibTrans" cxnId="{6AA5B0AC-1B1C-1342-AA3A-9F3CEA723383}">
-      <dgm:prSet/>
-      <dgm:spPr/>
-      <dgm:t>
-        <a:bodyPr/>
-        <a:lstStyle/>
-        <a:p>
-          <a:endParaRPr lang="en-US"/>
-        </a:p>
-      </dgm:t>
-    </dgm:pt>
-    <dgm:pt modelId="{95B6769F-DB05-B44E-95A1-76B1FEC04DB3}" type="pres">
-      <dgm:prSet presAssocID="{1B4863FB-D47D-1E4C-8024-230FBE4CE702}" presName="cycle" presStyleCnt="0">
-        <dgm:presLayoutVars>
-          <dgm:dir/>
-          <dgm:resizeHandles val="exact"/>
-        </dgm:presLayoutVars>
-      </dgm:prSet>
-      <dgm:spPr/>
-      <dgm:t>
-        <a:bodyPr/>
-        <a:lstStyle/>
-        <a:p>
-          <a:endParaRPr lang="en-US"/>
-        </a:p>
-      </dgm:t>
-    </dgm:pt>
-    <dgm:pt modelId="{8D1B304E-4CA5-9543-B6C2-F932B1F4F71C}" type="pres">
-      <dgm:prSet presAssocID="{D9CF44CB-7B06-B240-B62E-72AEA4B90F3D}" presName="node" presStyleLbl="node1" presStyleIdx="0" presStyleCnt="3" custScaleX="138539" custScaleY="101615">
-        <dgm:presLayoutVars>
-          <dgm:bulletEnabled val="1"/>
-        </dgm:presLayoutVars>
-      </dgm:prSet>
-      <dgm:spPr/>
-      <dgm:t>
-        <a:bodyPr/>
-        <a:lstStyle/>
-        <a:p>
-          <a:endParaRPr lang="en-US"/>
-        </a:p>
-      </dgm:t>
-    </dgm:pt>
-    <dgm:pt modelId="{CED3EDD5-928E-224E-9C4F-B7CAE95EBA38}" type="pres">
-      <dgm:prSet presAssocID="{D9CF44CB-7B06-B240-B62E-72AEA4B90F3D}" presName="spNode" presStyleCnt="0"/>
-      <dgm:spPr/>
-    </dgm:pt>
-    <dgm:pt modelId="{D7AC7C14-3750-3542-A71F-B5DBE4767B8A}" type="pres">
-      <dgm:prSet presAssocID="{2FFB08D6-61DA-CD4C-95C4-F703DC0AC5B5}" presName="sibTrans" presStyleLbl="sibTrans1D1" presStyleIdx="0" presStyleCnt="3"/>
-      <dgm:spPr/>
-      <dgm:t>
-        <a:bodyPr/>
-        <a:lstStyle/>
-        <a:p>
-          <a:endParaRPr lang="en-US"/>
-        </a:p>
-      </dgm:t>
-    </dgm:pt>
-    <dgm:pt modelId="{A46E98D2-4259-3C46-9086-4370C45DC96C}" type="pres">
-      <dgm:prSet presAssocID="{5423F03B-3789-0B4D-AAFF-6AFF97D6FC82}" presName="node" presStyleLbl="node1" presStyleIdx="1" presStyleCnt="3">
-        <dgm:presLayoutVars>
-          <dgm:bulletEnabled val="1"/>
-        </dgm:presLayoutVars>
-      </dgm:prSet>
-      <dgm:spPr/>
-      <dgm:t>
-        <a:bodyPr/>
-        <a:lstStyle/>
-        <a:p>
-          <a:endParaRPr lang="en-US"/>
-        </a:p>
-      </dgm:t>
-    </dgm:pt>
-    <dgm:pt modelId="{830BBD4C-4381-D143-9B8A-B0283C8D9B60}" type="pres">
-      <dgm:prSet presAssocID="{5423F03B-3789-0B4D-AAFF-6AFF97D6FC82}" presName="spNode" presStyleCnt="0"/>
-      <dgm:spPr/>
-    </dgm:pt>
-    <dgm:pt modelId="{940675C5-915B-4947-AE5C-AD6BA8D06D75}" type="pres">
-      <dgm:prSet presAssocID="{6AB06297-1EC9-CD4B-A812-2C58362D4075}" presName="sibTrans" presStyleLbl="sibTrans1D1" presStyleIdx="1" presStyleCnt="3"/>
-      <dgm:spPr/>
-      <dgm:t>
-        <a:bodyPr/>
-        <a:lstStyle/>
-        <a:p>
-          <a:endParaRPr lang="en-US"/>
-        </a:p>
-      </dgm:t>
-    </dgm:pt>
-    <dgm:pt modelId="{92356B7A-CF62-1B4D-93A4-602CA4252922}" type="pres">
-      <dgm:prSet presAssocID="{62403A56-1F41-1D49-8BD4-0241DF5460E5}" presName="node" presStyleLbl="node1" presStyleIdx="2" presStyleCnt="3">
-        <dgm:presLayoutVars>
-          <dgm:bulletEnabled val="1"/>
-        </dgm:presLayoutVars>
-      </dgm:prSet>
-      <dgm:spPr/>
-      <dgm:t>
-        <a:bodyPr/>
-        <a:lstStyle/>
-        <a:p>
-          <a:endParaRPr lang="en-US"/>
-        </a:p>
-      </dgm:t>
-    </dgm:pt>
-    <dgm:pt modelId="{8B8A51F8-C90D-EC43-9BA6-862187973BA5}" type="pres">
-      <dgm:prSet presAssocID="{62403A56-1F41-1D49-8BD4-0241DF5460E5}" presName="spNode" presStyleCnt="0"/>
-      <dgm:spPr/>
-    </dgm:pt>
-    <dgm:pt modelId="{7DFB023A-B0AF-684D-9790-800196DEC3F0}" type="pres">
-      <dgm:prSet presAssocID="{F6D8773C-175E-4C44-AEB4-42188B651BCF}" presName="sibTrans" presStyleLbl="sibTrans1D1" presStyleIdx="2" presStyleCnt="3"/>
-      <dgm:spPr/>
-      <dgm:t>
-        <a:bodyPr/>
-        <a:lstStyle/>
-        <a:p>
-          <a:endParaRPr lang="en-US"/>
-        </a:p>
-      </dgm:t>
-    </dgm:pt>
-  </dgm:ptLst>
-  <dgm:cxnLst>
-    <dgm:cxn modelId="{01E5C366-9ECE-2043-8ADD-BF2EB6A9D976}" type="presOf" srcId="{F6D8773C-175E-4C44-AEB4-42188B651BCF}" destId="{7DFB023A-B0AF-684D-9790-800196DEC3F0}" srcOrd="0" destOrd="0" presId="urn:microsoft.com/office/officeart/2005/8/layout/cycle5"/>
-    <dgm:cxn modelId="{354B832E-36B8-4144-A260-776EAEF00F82}" type="presOf" srcId="{D9CF44CB-7B06-B240-B62E-72AEA4B90F3D}" destId="{8D1B304E-4CA5-9543-B6C2-F932B1F4F71C}" srcOrd="0" destOrd="0" presId="urn:microsoft.com/office/officeart/2005/8/layout/cycle5"/>
-    <dgm:cxn modelId="{1E169250-418C-464D-9797-E1CF0070B177}" srcId="{1B4863FB-D47D-1E4C-8024-230FBE4CE702}" destId="{D9CF44CB-7B06-B240-B62E-72AEA4B90F3D}" srcOrd="0" destOrd="0" parTransId="{8BC6ED0E-6BFC-F345-9409-3F904BA6B5C3}" sibTransId="{2FFB08D6-61DA-CD4C-95C4-F703DC0AC5B5}"/>
-    <dgm:cxn modelId="{6683C119-E0C9-2A4C-AA6D-DA91665DB928}" type="presOf" srcId="{2FFB08D6-61DA-CD4C-95C4-F703DC0AC5B5}" destId="{D7AC7C14-3750-3542-A71F-B5DBE4767B8A}" srcOrd="0" destOrd="0" presId="urn:microsoft.com/office/officeart/2005/8/layout/cycle5"/>
-    <dgm:cxn modelId="{752C47F7-2877-AB45-B514-4407B9C67C0B}" type="presOf" srcId="{62403A56-1F41-1D49-8BD4-0241DF5460E5}" destId="{92356B7A-CF62-1B4D-93A4-602CA4252922}" srcOrd="0" destOrd="0" presId="urn:microsoft.com/office/officeart/2005/8/layout/cycle5"/>
-    <dgm:cxn modelId="{72EA5319-3493-3544-83BA-4CDFF8FE447C}" type="presOf" srcId="{6AB06297-1EC9-CD4B-A812-2C58362D4075}" destId="{940675C5-915B-4947-AE5C-AD6BA8D06D75}" srcOrd="0" destOrd="0" presId="urn:microsoft.com/office/officeart/2005/8/layout/cycle5"/>
-    <dgm:cxn modelId="{0D758575-1567-D84D-86EF-99A15BD041F6}" type="presOf" srcId="{1B4863FB-D47D-1E4C-8024-230FBE4CE702}" destId="{95B6769F-DB05-B44E-95A1-76B1FEC04DB3}" srcOrd="0" destOrd="0" presId="urn:microsoft.com/office/officeart/2005/8/layout/cycle5"/>
-    <dgm:cxn modelId="{6AA5B0AC-1B1C-1342-AA3A-9F3CEA723383}" srcId="{1B4863FB-D47D-1E4C-8024-230FBE4CE702}" destId="{62403A56-1F41-1D49-8BD4-0241DF5460E5}" srcOrd="2" destOrd="0" parTransId="{AFF8EEF3-B557-B849-955E-E0F0DCFBDE6E}" sibTransId="{F6D8773C-175E-4C44-AEB4-42188B651BCF}"/>
-    <dgm:cxn modelId="{0E42510B-C943-FE45-BDA2-739318B98E63}" type="presOf" srcId="{5423F03B-3789-0B4D-AAFF-6AFF97D6FC82}" destId="{A46E98D2-4259-3C46-9086-4370C45DC96C}" srcOrd="0" destOrd="0" presId="urn:microsoft.com/office/officeart/2005/8/layout/cycle5"/>
-    <dgm:cxn modelId="{982C75D6-C2CE-994D-9B1D-7F51FABEA22E}" srcId="{1B4863FB-D47D-1E4C-8024-230FBE4CE702}" destId="{5423F03B-3789-0B4D-AAFF-6AFF97D6FC82}" srcOrd="1" destOrd="0" parTransId="{80DBCBCD-4C68-5742-9DD9-76919B38C73A}" sibTransId="{6AB06297-1EC9-CD4B-A812-2C58362D4075}"/>
-    <dgm:cxn modelId="{4C1A9226-395F-7F47-B601-2B5194DB63EF}" type="presParOf" srcId="{95B6769F-DB05-B44E-95A1-76B1FEC04DB3}" destId="{8D1B304E-4CA5-9543-B6C2-F932B1F4F71C}" srcOrd="0" destOrd="0" presId="urn:microsoft.com/office/officeart/2005/8/layout/cycle5"/>
-    <dgm:cxn modelId="{6DCB8202-6E0A-A449-AE03-7DF9BC5DE6E0}" type="presParOf" srcId="{95B6769F-DB05-B44E-95A1-76B1FEC04DB3}" destId="{CED3EDD5-928E-224E-9C4F-B7CAE95EBA38}" srcOrd="1" destOrd="0" presId="urn:microsoft.com/office/officeart/2005/8/layout/cycle5"/>
-    <dgm:cxn modelId="{694DBB13-DBC7-7F40-89BF-6F7A4132431F}" type="presParOf" srcId="{95B6769F-DB05-B44E-95A1-76B1FEC04DB3}" destId="{D7AC7C14-3750-3542-A71F-B5DBE4767B8A}" srcOrd="2" destOrd="0" presId="urn:microsoft.com/office/officeart/2005/8/layout/cycle5"/>
-    <dgm:cxn modelId="{ABCFDFB3-0431-C145-BBB7-7F3DC092735F}" type="presParOf" srcId="{95B6769F-DB05-B44E-95A1-76B1FEC04DB3}" destId="{A46E98D2-4259-3C46-9086-4370C45DC96C}" srcOrd="3" destOrd="0" presId="urn:microsoft.com/office/officeart/2005/8/layout/cycle5"/>
-    <dgm:cxn modelId="{50EC8980-8F57-2340-AB02-EBA3410E66D0}" type="presParOf" srcId="{95B6769F-DB05-B44E-95A1-76B1FEC04DB3}" destId="{830BBD4C-4381-D143-9B8A-B0283C8D9B60}" srcOrd="4" destOrd="0" presId="urn:microsoft.com/office/officeart/2005/8/layout/cycle5"/>
-    <dgm:cxn modelId="{1C040517-2AAA-4E4B-B50E-B696D392C1C3}" type="presParOf" srcId="{95B6769F-DB05-B44E-95A1-76B1FEC04DB3}" destId="{940675C5-915B-4947-AE5C-AD6BA8D06D75}" srcOrd="5" destOrd="0" presId="urn:microsoft.com/office/officeart/2005/8/layout/cycle5"/>
-    <dgm:cxn modelId="{342153EF-54A0-7C43-B094-AC0193AA6180}" type="presParOf" srcId="{95B6769F-DB05-B44E-95A1-76B1FEC04DB3}" destId="{92356B7A-CF62-1B4D-93A4-602CA4252922}" srcOrd="6" destOrd="0" presId="urn:microsoft.com/office/officeart/2005/8/layout/cycle5"/>
-    <dgm:cxn modelId="{60903233-BEE0-D84D-8AEF-872CBE9753BB}" type="presParOf" srcId="{95B6769F-DB05-B44E-95A1-76B1FEC04DB3}" destId="{8B8A51F8-C90D-EC43-9BA6-862187973BA5}" srcOrd="7" destOrd="0" presId="urn:microsoft.com/office/officeart/2005/8/layout/cycle5"/>
-    <dgm:cxn modelId="{48E43277-3D68-EF4B-A4CD-E5788A099B43}" type="presParOf" srcId="{95B6769F-DB05-B44E-95A1-76B1FEC04DB3}" destId="{7DFB023A-B0AF-684D-9790-800196DEC3F0}" srcOrd="8" destOrd="0" presId="urn:microsoft.com/office/officeart/2005/8/layout/cycle5"/>
-  </dgm:cxnLst>
-  <dgm:bg/>
-  <dgm:whole/>
-  <dgm:extLst>
-    <a:ext uri="http://schemas.microsoft.com/office/drawing/2008/diagram">
-      <dsp:dataModelExt xmlns:dsp="http://schemas.microsoft.com/office/drawing/2008/diagram" relId="rId30" minVer="http://schemas.openxmlformats.org/drawingml/2006/diagram"/>
-    </a:ext>
-  </dgm:extLst>
-</dgm:dataModel>
-</file>
-
-<file path=ppt/diagrams/drawing1.xml><?xml version="1.0" encoding="utf-8"?>
-<dsp:drawing xmlns:dgm="http://schemas.openxmlformats.org/drawingml/2006/diagram" xmlns:dsp="http://schemas.microsoft.com/office/drawing/2008/diagram" xmlns:a="http://schemas.openxmlformats.org/drawingml/2006/main">
-  <dsp:spTree>
-    <dsp:nvGrpSpPr>
-      <dsp:cNvPr id="0" name=""/>
-      <dsp:cNvGrpSpPr/>
-    </dsp:nvGrpSpPr>
-    <dsp:grpSpPr/>
-    <dsp:sp modelId="{8D1B304E-4CA5-9543-B6C2-F932B1F4F71C}">
-      <dsp:nvSpPr>
-        <dsp:cNvPr id="0" name=""/>
-        <dsp:cNvSpPr/>
-      </dsp:nvSpPr>
-      <dsp:spPr>
-        <a:xfrm>
-          <a:off x="2462360" y="-2803"/>
-          <a:ext cx="1539134" cy="733796"/>
-        </a:xfrm>
-        <a:prstGeom prst="roundRect">
-          <a:avLst/>
-        </a:prstGeom>
-        <a:solidFill>
-          <a:schemeClr val="accent2"/>
-        </a:solidFill>
-        <a:ln>
-          <a:noFill/>
-        </a:ln>
-        <a:effectLst>
-          <a:outerShdw blurRad="40000" dist="20000" dir="5400000" rotWithShape="0">
-            <a:srgbClr val="000000">
-              <a:alpha val="38000"/>
-            </a:srgbClr>
-          </a:outerShdw>
-        </a:effectLst>
-        <a:scene3d>
-          <a:camera prst="orthographicFront"/>
-          <a:lightRig rig="flat" dir="t"/>
-        </a:scene3d>
-        <a:sp3d prstMaterial="dkEdge">
-          <a:bevelT w="8200" h="38100"/>
-        </a:sp3d>
-      </dsp:spPr>
-      <dsp:style>
-        <a:lnRef idx="0">
-          <a:scrgbClr r="0" g="0" b="0"/>
-        </a:lnRef>
-        <a:fillRef idx="2">
-          <a:scrgbClr r="0" g="0" b="0"/>
-        </a:fillRef>
-        <a:effectRef idx="1">
-          <a:scrgbClr r="0" g="0" b="0"/>
-        </a:effectRef>
-        <a:fontRef idx="minor">
-          <a:schemeClr val="dk1"/>
-        </a:fontRef>
-      </dsp:style>
-      <dsp:txBody>
-        <a:bodyPr spcFirstLastPara="0" vert="horz" wrap="square" lIns="60960" tIns="60960" rIns="60960" bIns="60960" numCol="1" spcCol="1270" anchor="ctr" anchorCtr="0">
-          <a:noAutofit/>
-        </a:bodyPr>
-        <a:lstStyle/>
-        <a:p>
-          <a:pPr lvl="0" algn="ctr" defTabSz="711200">
-            <a:lnSpc>
-              <a:spcPct val="90000"/>
-            </a:lnSpc>
-            <a:spcBef>
-              <a:spcPct val="0"/>
-            </a:spcBef>
-            <a:spcAft>
-              <a:spcPct val="35000"/>
-            </a:spcAft>
-          </a:pPr>
-          <a:r>
-            <a:rPr lang="en-US" sz="1600" b="1" kern="1200" dirty="0" smtClean="0">
-              <a:solidFill>
-                <a:schemeClr val="bg1"/>
-              </a:solidFill>
-            </a:rPr>
-            <a:t>Write test for new functionality</a:t>
-          </a:r>
-          <a:endParaRPr lang="en-US" sz="1600" b="1" kern="1200" dirty="0">
-            <a:solidFill>
-              <a:schemeClr val="bg1"/>
-            </a:solidFill>
-          </a:endParaRPr>
-        </a:p>
-      </dsp:txBody>
-      <dsp:txXfrm>
-        <a:off x="2498181" y="33018"/>
-        <a:ext cx="1467492" cy="662154"/>
-      </dsp:txXfrm>
-    </dsp:sp>
-    <dsp:sp modelId="{D7AC7C14-3750-3542-A71F-B5DBE4767B8A}">
-      <dsp:nvSpPr>
-        <dsp:cNvPr id="0" name=""/>
-        <dsp:cNvSpPr/>
-      </dsp:nvSpPr>
-      <dsp:spPr>
-        <a:xfrm>
-          <a:off x="1933204" y="561174"/>
-          <a:ext cx="1928206" cy="1928206"/>
-        </a:xfrm>
-        <a:custGeom>
-          <a:avLst/>
-          <a:gdLst/>
-          <a:ahLst/>
-          <a:cxnLst/>
-          <a:rect l="0" t="0" r="0" b="0"/>
-          <a:pathLst>
-            <a:path>
-              <a:moveTo>
-                <a:pt x="1638456" y="275087"/>
-              </a:moveTo>
-              <a:arcTo wR="964103" hR="964103" stAng="18863030" swAng="1873940"/>
-            </a:path>
-          </a:pathLst>
-        </a:custGeom>
-        <a:noFill/>
-        <a:ln w="9525" cap="flat" cmpd="sng" algn="ctr">
-          <a:solidFill>
-            <a:schemeClr val="accent1">
-              <a:hueOff val="0"/>
-              <a:satOff val="0"/>
-              <a:lumOff val="0"/>
-              <a:alphaOff val="0"/>
-            </a:schemeClr>
-          </a:solidFill>
-          <a:prstDash val="solid"/>
-          <a:tailEnd type="arrow"/>
-        </a:ln>
-        <a:effectLst/>
-      </dsp:spPr>
-      <dsp:style>
-        <a:lnRef idx="1">
-          <a:scrgbClr r="0" g="0" b="0"/>
-        </a:lnRef>
-        <a:fillRef idx="0">
-          <a:scrgbClr r="0" g="0" b="0"/>
-        </a:fillRef>
-        <a:effectRef idx="0">
-          <a:scrgbClr r="0" g="0" b="0"/>
-        </a:effectRef>
-        <a:fontRef idx="minor"/>
-      </dsp:style>
-    </dsp:sp>
-    <dsp:sp modelId="{A46E98D2-4259-3C46-9086-4370C45DC96C}">
-      <dsp:nvSpPr>
-        <dsp:cNvPr id="0" name=""/>
-        <dsp:cNvSpPr/>
-      </dsp:nvSpPr>
-      <dsp:spPr>
-        <a:xfrm>
-          <a:off x="3511378" y="1449182"/>
-          <a:ext cx="1110975" cy="722133"/>
-        </a:xfrm>
-        <a:prstGeom prst="roundRect">
-          <a:avLst/>
-        </a:prstGeom>
-        <a:solidFill>
-          <a:schemeClr val="accent3"/>
-        </a:solidFill>
-        <a:ln>
-          <a:noFill/>
-        </a:ln>
-        <a:effectLst>
-          <a:outerShdw blurRad="40000" dist="20000" dir="5400000" rotWithShape="0">
-            <a:srgbClr val="000000">
-              <a:alpha val="38000"/>
-            </a:srgbClr>
-          </a:outerShdw>
-        </a:effectLst>
-        <a:scene3d>
-          <a:camera prst="orthographicFront"/>
-          <a:lightRig rig="flat" dir="t"/>
-        </a:scene3d>
-        <a:sp3d prstMaterial="dkEdge">
-          <a:bevelT w="8200" h="38100"/>
-        </a:sp3d>
-      </dsp:spPr>
-      <dsp:style>
-        <a:lnRef idx="0">
-          <a:scrgbClr r="0" g="0" b="0"/>
-        </a:lnRef>
-        <a:fillRef idx="2">
-          <a:scrgbClr r="0" g="0" b="0"/>
-        </a:fillRef>
-        <a:effectRef idx="1">
-          <a:scrgbClr r="0" g="0" b="0"/>
-        </a:effectRef>
-        <a:fontRef idx="minor">
-          <a:schemeClr val="dk1"/>
-        </a:fontRef>
-      </dsp:style>
-      <dsp:txBody>
-        <a:bodyPr spcFirstLastPara="0" vert="horz" wrap="square" lIns="60960" tIns="60960" rIns="60960" bIns="60960" numCol="1" spcCol="1270" anchor="ctr" anchorCtr="0">
-          <a:noAutofit/>
-        </a:bodyPr>
-        <a:lstStyle/>
-        <a:p>
-          <a:pPr lvl="0" algn="ctr" defTabSz="711200">
-            <a:lnSpc>
-              <a:spcPct val="90000"/>
-            </a:lnSpc>
-            <a:spcBef>
-              <a:spcPct val="0"/>
-            </a:spcBef>
-            <a:spcAft>
-              <a:spcPct val="35000"/>
-            </a:spcAft>
-          </a:pPr>
-          <a:r>
-            <a:rPr lang="en-US" sz="1600" b="1" kern="1200" dirty="0" smtClean="0">
-              <a:solidFill>
-                <a:srgbClr val="FFFFFF"/>
-              </a:solidFill>
-            </a:rPr>
-            <a:t>Write Code</a:t>
-          </a:r>
-          <a:endParaRPr lang="en-US" sz="1600" b="1" kern="1200" dirty="0">
-            <a:solidFill>
-              <a:srgbClr val="FFFFFF"/>
-            </a:solidFill>
-          </a:endParaRPr>
-        </a:p>
-      </dsp:txBody>
-      <dsp:txXfrm>
-        <a:off x="3546630" y="1484434"/>
-        <a:ext cx="1040471" cy="651629"/>
-      </dsp:txXfrm>
-    </dsp:sp>
-    <dsp:sp modelId="{940675C5-915B-4947-AE5C-AD6BA8D06D75}">
-      <dsp:nvSpPr>
-        <dsp:cNvPr id="0" name=""/>
-        <dsp:cNvSpPr/>
-      </dsp:nvSpPr>
-      <dsp:spPr>
-        <a:xfrm>
-          <a:off x="2267824" y="364094"/>
-          <a:ext cx="1928206" cy="1928206"/>
-        </a:xfrm>
-        <a:custGeom>
-          <a:avLst/>
-          <a:gdLst/>
-          <a:ahLst/>
-          <a:cxnLst/>
-          <a:rect l="0" t="0" r="0" b="0"/>
-          <a:pathLst>
-            <a:path>
-              <a:moveTo>
-                <a:pt x="1260384" y="1881552"/>
-              </a:moveTo>
-              <a:arcTo wR="964103" hR="964103" stAng="4326158" swAng="2147684"/>
-            </a:path>
-          </a:pathLst>
-        </a:custGeom>
-        <a:noFill/>
-        <a:ln w="9525" cap="flat" cmpd="sng" algn="ctr">
-          <a:solidFill>
-            <a:schemeClr val="accent1">
-              <a:hueOff val="0"/>
-              <a:satOff val="0"/>
-              <a:lumOff val="0"/>
-              <a:alphaOff val="0"/>
-            </a:schemeClr>
-          </a:solidFill>
-          <a:prstDash val="solid"/>
-          <a:tailEnd type="arrow"/>
-        </a:ln>
-        <a:effectLst/>
-      </dsp:spPr>
-      <dsp:style>
-        <a:lnRef idx="1">
-          <a:scrgbClr r="0" g="0" b="0"/>
-        </a:lnRef>
-        <a:fillRef idx="0">
-          <a:scrgbClr r="0" g="0" b="0"/>
-        </a:fillRef>
-        <a:effectRef idx="0">
-          <a:scrgbClr r="0" g="0" b="0"/>
-        </a:effectRef>
-        <a:fontRef idx="minor"/>
-      </dsp:style>
-    </dsp:sp>
-    <dsp:sp modelId="{92356B7A-CF62-1B4D-93A4-602CA4252922}">
-      <dsp:nvSpPr>
-        <dsp:cNvPr id="0" name=""/>
-        <dsp:cNvSpPr/>
-      </dsp:nvSpPr>
-      <dsp:spPr>
-        <a:xfrm>
-          <a:off x="1841502" y="1449182"/>
-          <a:ext cx="1110975" cy="722133"/>
-        </a:xfrm>
-        <a:prstGeom prst="roundRect">
-          <a:avLst/>
-        </a:prstGeom>
-        <a:solidFill>
-          <a:schemeClr val="accent1"/>
-        </a:solidFill>
-        <a:ln>
-          <a:noFill/>
-        </a:ln>
-        <a:effectLst>
-          <a:outerShdw blurRad="40000" dist="20000" dir="5400000" rotWithShape="0">
-            <a:srgbClr val="000000">
-              <a:alpha val="38000"/>
-            </a:srgbClr>
-          </a:outerShdw>
-        </a:effectLst>
-        <a:scene3d>
-          <a:camera prst="orthographicFront"/>
-          <a:lightRig rig="flat" dir="t"/>
-        </a:scene3d>
-        <a:sp3d prstMaterial="dkEdge">
-          <a:bevelT w="8200" h="38100"/>
-        </a:sp3d>
-      </dsp:spPr>
-      <dsp:style>
-        <a:lnRef idx="0">
-          <a:scrgbClr r="0" g="0" b="0"/>
-        </a:lnRef>
-        <a:fillRef idx="2">
-          <a:scrgbClr r="0" g="0" b="0"/>
-        </a:fillRef>
-        <a:effectRef idx="1">
-          <a:scrgbClr r="0" g="0" b="0"/>
-        </a:effectRef>
-        <a:fontRef idx="minor">
-          <a:schemeClr val="dk1"/>
-        </a:fontRef>
-      </dsp:style>
-      <dsp:txBody>
-        <a:bodyPr spcFirstLastPara="0" vert="horz" wrap="square" lIns="60960" tIns="60960" rIns="60960" bIns="60960" numCol="1" spcCol="1270" anchor="ctr" anchorCtr="0">
-          <a:noAutofit/>
-        </a:bodyPr>
-        <a:lstStyle/>
-        <a:p>
-          <a:pPr lvl="0" algn="ctr" defTabSz="711200">
-            <a:lnSpc>
-              <a:spcPct val="90000"/>
-            </a:lnSpc>
-            <a:spcBef>
-              <a:spcPct val="0"/>
-            </a:spcBef>
-            <a:spcAft>
-              <a:spcPct val="35000"/>
-            </a:spcAft>
-          </a:pPr>
-          <a:r>
-            <a:rPr lang="en-US" sz="1600" b="1" kern="1200" dirty="0" smtClean="0">
-              <a:solidFill>
-                <a:srgbClr val="FFFFFF"/>
-              </a:solidFill>
-            </a:rPr>
-            <a:t>Refactor Code</a:t>
-          </a:r>
-          <a:endParaRPr lang="en-US" sz="1600" b="1" kern="1200" dirty="0">
-            <a:solidFill>
-              <a:srgbClr val="FFFFFF"/>
-            </a:solidFill>
-          </a:endParaRPr>
-        </a:p>
-      </dsp:txBody>
-      <dsp:txXfrm>
-        <a:off x="1876754" y="1484434"/>
-        <a:ext cx="1040471" cy="651629"/>
-      </dsp:txXfrm>
-    </dsp:sp>
-    <dsp:sp modelId="{7DFB023A-B0AF-684D-9790-800196DEC3F0}">
-      <dsp:nvSpPr>
-        <dsp:cNvPr id="0" name=""/>
-        <dsp:cNvSpPr/>
-      </dsp:nvSpPr>
-      <dsp:spPr>
-        <a:xfrm>
-          <a:off x="2602444" y="561174"/>
-          <a:ext cx="1928206" cy="1928206"/>
-        </a:xfrm>
-        <a:custGeom>
-          <a:avLst/>
-          <a:gdLst/>
-          <a:ahLst/>
-          <a:cxnLst/>
-          <a:rect l="0" t="0" r="0" b="0"/>
-          <a:pathLst>
-            <a:path>
-              <a:moveTo>
-                <a:pt x="30221" y="724604"/>
-              </a:moveTo>
-              <a:arcTo wR="964103" hR="964103" stAng="11663030" swAng="1873940"/>
-            </a:path>
-          </a:pathLst>
-        </a:custGeom>
-        <a:noFill/>
-        <a:ln w="9525" cap="flat" cmpd="sng" algn="ctr">
-          <a:solidFill>
-            <a:schemeClr val="accent1">
-              <a:hueOff val="0"/>
-              <a:satOff val="0"/>
-              <a:lumOff val="0"/>
-              <a:alphaOff val="0"/>
-            </a:schemeClr>
-          </a:solidFill>
-          <a:prstDash val="solid"/>
-          <a:tailEnd type="arrow"/>
-        </a:ln>
-        <a:effectLst/>
-      </dsp:spPr>
-      <dsp:style>
-        <a:lnRef idx="1">
-          <a:scrgbClr r="0" g="0" b="0"/>
-        </a:lnRef>
-        <a:fillRef idx="0">
-          <a:scrgbClr r="0" g="0" b="0"/>
-        </a:fillRef>
-        <a:effectRef idx="0">
-          <a:scrgbClr r="0" g="0" b="0"/>
-        </a:effectRef>
-        <a:fontRef idx="minor"/>
-      </dsp:style>
-    </dsp:sp>
-  </dsp:spTree>
-</dsp:drawing>
-</file>
-
-<file path=ppt/diagrams/layout1.xml><?xml version="1.0" encoding="utf-8"?>
-<dgm:layoutDef xmlns:dgm="http://schemas.openxmlformats.org/drawingml/2006/diagram" xmlns:a="http://schemas.openxmlformats.org/drawingml/2006/main" uniqueId="urn:microsoft.com/office/officeart/2005/8/layout/cycle5">
-  <dgm:title val=""/>
-  <dgm:desc val=""/>
-  <dgm:catLst>
-    <dgm:cat type="cycle" pri="3000"/>
-  </dgm:catLst>
-  <dgm:sampData>
-    <dgm:dataModel>
-      <dgm:ptLst>
-        <dgm:pt modelId="0" type="doc"/>
-        <dgm:pt modelId="1">
-          <dgm:prSet phldr="1"/>
-        </dgm:pt>
-        <dgm:pt modelId="2">
-          <dgm:prSet phldr="1"/>
-        </dgm:pt>
-        <dgm:pt modelId="3">
-          <dgm:prSet phldr="1"/>
-        </dgm:pt>
-        <dgm:pt modelId="4">
-          <dgm:prSet phldr="1"/>
-        </dgm:pt>
-        <dgm:pt modelId="5">
-          <dgm:prSet phldr="1"/>
-        </dgm:pt>
-      </dgm:ptLst>
-      <dgm:cxnLst>
-        <dgm:cxn modelId="6" srcId="0" destId="1" srcOrd="0" destOrd="0"/>
-        <dgm:cxn modelId="7" srcId="0" destId="2" srcOrd="1" destOrd="0"/>
-        <dgm:cxn modelId="8" srcId="0" destId="3" srcOrd="2" destOrd="0"/>
-        <dgm:cxn modelId="9" srcId="0" destId="4" srcOrd="3" destOrd="0"/>
-        <dgm:cxn modelId="10" srcId="0" destId="5" srcOrd="4" destOrd="0"/>
-      </dgm:cxnLst>
-      <dgm:bg/>
-      <dgm:whole/>
-    </dgm:dataModel>
-  </dgm:sampData>
-  <dgm:styleData>
-    <dgm:dataModel>
-      <dgm:ptLst>
-        <dgm:pt modelId="0" type="doc"/>
-        <dgm:pt modelId="1"/>
-        <dgm:pt modelId="2"/>
-        <dgm:pt modelId="3"/>
-      </dgm:ptLst>
-      <dgm:cxnLst>
-        <dgm:cxn modelId="4" srcId="0" destId="1" srcOrd="0" destOrd="0"/>
-        <dgm:cxn modelId="5" srcId="0" destId="2" srcOrd="1" destOrd="0"/>
-        <dgm:cxn modelId="6" srcId="0" destId="3" srcOrd="2" destOrd="0"/>
-      </dgm:cxnLst>
-      <dgm:bg/>
-      <dgm:whole/>
-    </dgm:dataModel>
-  </dgm:styleData>
-  <dgm:clrData>
-    <dgm:dataModel>
-      <dgm:ptLst>
-        <dgm:pt modelId="0" type="doc"/>
-        <dgm:pt modelId="1"/>
-        <dgm:pt modelId="2"/>
-        <dgm:pt modelId="3"/>
-        <dgm:pt modelId="4"/>
-        <dgm:pt modelId="5"/>
-        <dgm:pt modelId="6"/>
-      </dgm:ptLst>
-      <dgm:cxnLst>
-        <dgm:cxn modelId="7" srcId="0" destId="1" srcOrd="0" destOrd="0"/>
-        <dgm:cxn modelId="8" srcId="0" destId="2" srcOrd="1" destOrd="0"/>
-        <dgm:cxn modelId="9" srcId="0" destId="3" srcOrd="2" destOrd="0"/>
-        <dgm:cxn modelId="10" srcId="0" destId="4" srcOrd="3" destOrd="0"/>
-        <dgm:cxn modelId="11" srcId="0" destId="5" srcOrd="4" destOrd="0"/>
-        <dgm:cxn modelId="12" srcId="0" destId="6" srcOrd="5" destOrd="0"/>
-      </dgm:cxnLst>
-      <dgm:bg/>
-      <dgm:whole/>
-    </dgm:dataModel>
-  </dgm:clrData>
-  <dgm:layoutNode name="cycle">
-    <dgm:varLst>
-      <dgm:dir/>
-      <dgm:resizeHandles val="exact"/>
-    </dgm:varLst>
-    <dgm:choose name="Name0">
-      <dgm:if name="Name1" func="var" arg="dir" op="equ" val="norm">
-        <dgm:choose name="Name2">
-          <dgm:if name="Name3" axis="ch" ptType="node" func="cnt" op="gt" val="2">
-            <dgm:alg type="cycle">
-              <dgm:param type="stAng" val="0"/>
-              <dgm:param type="spanAng" val="360"/>
-            </dgm:alg>
-          </dgm:if>
-          <dgm:else name="Name4">
-            <dgm:alg type="cycle">
-              <dgm:param type="stAng" val="-90"/>
-              <dgm:param type="spanAng" val="360"/>
-            </dgm:alg>
-          </dgm:else>
-        </dgm:choose>
-      </dgm:if>
-      <dgm:else name="Name5">
-        <dgm:choose name="Name6">
-          <dgm:if name="Name7" axis="ch" ptType="node" func="cnt" op="gt" val="2">
-            <dgm:alg type="cycle">
-              <dgm:param type="stAng" val="0"/>
-              <dgm:param type="spanAng" val="-360"/>
-            </dgm:alg>
-          </dgm:if>
-          <dgm:else name="Name8">
-            <dgm:alg type="cycle">
-              <dgm:param type="stAng" val="90"/>
-              <dgm:param type="spanAng" val="-360"/>
-            </dgm:alg>
-          </dgm:else>
-        </dgm:choose>
-      </dgm:else>
-    </dgm:choose>
-    <dgm:shape xmlns:r="http://schemas.openxmlformats.org/officeDocument/2006/relationships" r:blip="">
-      <dgm:adjLst/>
-    </dgm:shape>
-    <dgm:presOf/>
-    <dgm:choose name="Name9">
-      <dgm:if name="Name10" func="var" arg="dir" op="equ" val="norm">
-        <dgm:constrLst>
-          <dgm:constr type="w" for="ch" forName="node" refType="w"/>
-          <dgm:constr type="w" for="ch" ptType="sibTrans" refType="w" refFor="ch" refForName="node" op="equ" fact="0.3"/>
-          <dgm:constr type="diam" for="ch" ptType="sibTrans" refType="diam" op="equ"/>
-          <dgm:constr type="sibSp" refType="w" refFor="ch" refForName="node" op="equ" fact="0.15"/>
-          <dgm:constr type="w" for="ch" forName="spNode" refType="sibSp" fact="1.6"/>
-          <dgm:constr type="primFontSz" for="ch" forName="node" op="equ" val="65"/>
-        </dgm:constrLst>
-      </dgm:if>
-      <dgm:else name="Name11">
-        <dgm:constrLst>
-          <dgm:constr type="w" for="ch" forName="node" refType="w"/>
-          <dgm:constr type="w" for="ch" ptType="sibTrans" refType="w" refFor="ch" refForName="node" op="equ" fact="0.3"/>
-          <dgm:constr type="diam" for="ch" ptType="sibTrans" refType="diam" fact="-1"/>
-          <dgm:constr type="diam" for="ch" refType="diam" op="equ" fact="-1"/>
-          <dgm:constr type="sibSp" refType="w" refFor="ch" refForName="node" op="equ" fact="0.15"/>
-          <dgm:constr type="w" for="ch" forName="spNode" refType="sibSp" fact="1.6"/>
-          <dgm:constr type="primFontSz" for="ch" forName="node" op="equ" val="65"/>
-        </dgm:constrLst>
-      </dgm:else>
-    </dgm:choose>
-    <dgm:ruleLst/>
-    <dgm:forEach name="Name12" axis="ch" ptType="node">
-      <dgm:layoutNode name="node">
-        <dgm:varLst>
-          <dgm:bulletEnabled val="1"/>
-        </dgm:varLst>
-        <dgm:alg type="tx"/>
-        <dgm:shape xmlns:r="http://schemas.openxmlformats.org/officeDocument/2006/relationships" type="roundRect" r:blip="">
-          <dgm:adjLst/>
-        </dgm:shape>
-        <dgm:presOf axis="desOrSelf" ptType="node"/>
-        <dgm:constrLst>
-          <dgm:constr type="h" refType="w" fact="0.65"/>
-          <dgm:constr type="tMarg" refType="primFontSz" fact="0.3"/>
-          <dgm:constr type="bMarg" refType="primFontSz" fact="0.3"/>
-          <dgm:constr type="lMarg" refType="primFontSz" fact="0.3"/>
-          <dgm:constr type="rMarg" refType="primFontSz" fact="0.3"/>
-        </dgm:constrLst>
-        <dgm:ruleLst>
-          <dgm:rule type="primFontSz" val="5" fact="NaN" max="NaN"/>
-        </dgm:ruleLst>
-      </dgm:layoutNode>
-      <dgm:choose name="Name13">
-        <dgm:if name="Name14" axis="par ch" ptType="doc node" func="cnt" op="gt" val="1">
-          <dgm:layoutNode name="spNode">
-            <dgm:alg type="sp"/>
-            <dgm:shape xmlns:r="http://schemas.openxmlformats.org/officeDocument/2006/relationships" r:blip="">
-              <dgm:adjLst/>
-            </dgm:shape>
-            <dgm:presOf/>
-            <dgm:constrLst>
-              <dgm:constr type="h" refType="w"/>
-            </dgm:constrLst>
-            <dgm:ruleLst/>
-          </dgm:layoutNode>
-          <dgm:forEach name="Name15" axis="followSib" ptType="sibTrans" hideLastTrans="0" cnt="1">
-            <dgm:layoutNode name="sibTrans">
-              <dgm:alg type="conn">
-                <dgm:param type="dim" val="1D"/>
-                <dgm:param type="connRout" val="curve"/>
-                <dgm:param type="begPts" val="radial"/>
-                <dgm:param type="endPts" val="radial"/>
-              </dgm:alg>
-              <dgm:shape xmlns:r="http://schemas.openxmlformats.org/officeDocument/2006/relationships" type="conn" r:blip="">
-                <dgm:adjLst/>
-              </dgm:shape>
-              <dgm:presOf axis="self"/>
-              <dgm:constrLst>
-                <dgm:constr type="h" refType="w" fact="0.65"/>
-                <dgm:constr type="connDist"/>
-                <dgm:constr type="begPad" refType="connDist" fact="0.2"/>
-                <dgm:constr type="endPad" refType="connDist" fact="0.2"/>
-              </dgm:constrLst>
-              <dgm:ruleLst/>
-            </dgm:layoutNode>
-          </dgm:forEach>
-        </dgm:if>
-        <dgm:else name="Name16"/>
-      </dgm:choose>
-    </dgm:forEach>
-  </dgm:layoutNode>
-</dgm:layoutDef>
-</file>
-
-<file path=ppt/diagrams/quickStyle1.xml><?xml version="1.0" encoding="utf-8"?>
-<dgm:styleDef xmlns:dgm="http://schemas.openxmlformats.org/drawingml/2006/diagram" xmlns:a="http://schemas.openxmlformats.org/drawingml/2006/main" uniqueId="urn:microsoft.com/office/officeart/2005/8/quickstyle/simple3">
-  <dgm:title val=""/>
-  <dgm:desc val=""/>
-  <dgm:catLst>
-    <dgm:cat type="simple" pri="10300"/>
-  </dgm:catLst>
-  <dgm:scene3d>
-    <a:camera prst="orthographicFront"/>
-    <a:lightRig rig="threePt" dir="t"/>
-  </dgm:scene3d>
-  <dgm:styleLbl name="node0">
-    <dgm:scene3d>
-      <a:camera prst="orthographicFront"/>
-      <a:lightRig rig="flat" dir="t"/>
-    </dgm:scene3d>
-    <dgm:sp3d prstMaterial="dkEdge">
-      <a:bevelT w="8200" h="38100"/>
-    </dgm:sp3d>
-    <dgm:txPr/>
-    <dgm:style>
-      <a:lnRef idx="0">
-        <a:scrgbClr r="0" g="0" b="0"/>
-      </a:lnRef>
-      <a:fillRef idx="2">
-        <a:scrgbClr r="0" g="0" b="0"/>
-      </a:fillRef>
-      <a:effectRef idx="1">
-        <a:scrgbClr r="0" g="0" b="0"/>
-      </a:effectRef>
-      <a:fontRef idx="minor">
-        <a:schemeClr val="dk1"/>
-      </a:fontRef>
-    </dgm:style>
-  </dgm:styleLbl>
-  <dgm:styleLbl name="lnNode1">
-    <dgm:scene3d>
-      <a:camera prst="orthographicFront"/>
-      <a:lightRig rig="flat" dir="t"/>
-    </dgm:scene3d>
-    <dgm:sp3d prstMaterial="dkEdge">
-      <a:bevelT w="8200" h="38100"/>
-    </dgm:sp3d>
-    <dgm:txPr/>
-    <dgm:style>
-      <a:lnRef idx="1">
-        <a:scrgbClr r="0" g="0" b="0"/>
-      </a:lnRef>
-      <a:fillRef idx="2">
-        <a:scrgbClr r="0" g="0" b="0"/>
-      </a:fillRef>
-      <a:effectRef idx="0">
-        <a:scrgbClr r="0" g="0" b="0"/>
-      </a:effectRef>
-      <a:fontRef idx="minor">
-        <a:schemeClr val="dk1"/>
-      </a:fontRef>
-    </dgm:style>
-  </dgm:styleLbl>
-  <dgm:styleLbl name="vennNode1">
-    <dgm:scene3d>
-      <a:camera prst="orthographicFront"/>
-      <a:lightRig rig="flat" dir="t"/>
-    </dgm:scene3d>
-    <dgm:sp3d prstMaterial="dkEdge">
-      <a:bevelT w="8200" h="38100"/>
-    </dgm:sp3d>
-    <dgm:txPr/>
-    <dgm:style>
-      <a:lnRef idx="0">
-        <a:scrgbClr r="0" g="0" b="0"/>
-      </a:lnRef>
-      <a:fillRef idx="2">
-        <a:scrgbClr r="0" g="0" b="0"/>
-      </a:fillRef>
-      <a:effectRef idx="0">
-        <a:scrgbClr r="0" g="0" b="0"/>
-      </a:effectRef>
-      <a:fontRef idx="minor">
-        <a:schemeClr val="tx1"/>
-      </a:fontRef>
-    </dgm:style>
-  </dgm:styleLbl>
-  <dgm:styleLbl name="alignNode1">
-    <dgm:scene3d>
-      <a:camera prst="orthographicFront"/>
-      <a:lightRig rig="threePt" dir="t"/>
-    </dgm:scene3d>
-    <dgm:sp3d/>
-    <dgm:txPr/>
-    <dgm:style>
-      <a:lnRef idx="1">
-        <a:scrgbClr r="0" g="0" b="0"/>
-      </a:lnRef>
-      <a:fillRef idx="2">
-        <a:scrgbClr r="0" g="0" b="0"/>
-      </a:fillRef>
-      <a:effectRef idx="1">
-        <a:scrgbClr r="0" g="0" b="0"/>
-      </a:effectRef>
-      <a:fontRef idx="minor">
-        <a:schemeClr val="dk1"/>
-      </a:fontRef>
-    </dgm:style>
-  </dgm:styleLbl>
-  <dgm:styleLbl name="node1">
-    <dgm:scene3d>
-      <a:camera prst="orthographicFront"/>
-      <a:lightRig rig="flat" dir="t"/>
-    </dgm:scene3d>
-    <dgm:sp3d prstMaterial="dkEdge">
-      <a:bevelT w="8200" h="38100"/>
-    </dgm:sp3d>
-    <dgm:txPr/>
-    <dgm:style>
-      <a:lnRef idx="0">
-        <a:scrgbClr r="0" g="0" b="0"/>
-      </a:lnRef>
-      <a:fillRef idx="2">
-        <a:scrgbClr r="0" g="0" b="0"/>
-      </a:fillRef>
-      <a:effectRef idx="1">
-        <a:scrgbClr r="0" g="0" b="0"/>
-      </a:effectRef>
-      <a:fontRef idx="minor">
-        <a:schemeClr val="dk1"/>
-      </a:fontRef>
-    </dgm:style>
-  </dgm:styleLbl>
-  <dgm:styleLbl name="node2">
-    <dgm:scene3d>
-      <a:camera prst="orthographicFront"/>
-      <a:lightRig rig="flat" dir="t"/>
-    </dgm:scene3d>
-    <dgm:sp3d prstMaterial="dkEdge">
-      <a:bevelT w="8200" h="38100"/>
-    </dgm:sp3d>
-    <dgm:txPr/>
-    <dgm:style>
-      <a:lnRef idx="0">
-        <a:scrgbClr r="0" g="0" b="0"/>
-      </a:lnRef>
-      <a:fillRef idx="2">
-        <a:scrgbClr r="0" g="0" b="0"/>
-      </a:fillRef>
-      <a:effectRef idx="1">
-        <a:scrgbClr r="0" g="0" b="0"/>
-      </a:effectRef>
-      <a:fontRef idx="minor">
-        <a:schemeClr val="dk1"/>
-      </a:fontRef>
-    </dgm:style>
-  </dgm:styleLbl>
-  <dgm:styleLbl name="node3">
-    <dgm:scene3d>
-      <a:camera prst="orthographicFront"/>
-      <a:lightRig rig="flat" dir="t"/>
-    </dgm:scene3d>
-    <dgm:sp3d prstMaterial="dkEdge">
-      <a:bevelT w="8200" h="38100"/>
-    </dgm:sp3d>
-    <dgm:txPr/>
-    <dgm:style>
-      <a:lnRef idx="0">
-        <a:scrgbClr r="0" g="0" b="0"/>
-      </a:lnRef>
-      <a:fillRef idx="2">
-        <a:scrgbClr r="0" g="0" b="0"/>
-      </a:fillRef>
-      <a:effectRef idx="1">
-        <a:scrgbClr r="0" g="0" b="0"/>
-      </a:effectRef>
-      <a:fontRef idx="minor">
-        <a:schemeClr val="dk1"/>
-      </a:fontRef>
-    </dgm:style>
-  </dgm:styleLbl>
-  <dgm:styleLbl name="node4">
-    <dgm:scene3d>
-      <a:camera prst="orthographicFront"/>
-      <a:lightRig rig="flat" dir="t"/>
-    </dgm:scene3d>
-    <dgm:sp3d prstMaterial="dkEdge">
-      <a:bevelT w="8200" h="38100"/>
-    </dgm:sp3d>
-    <dgm:txPr/>
-    <dgm:style>
-      <a:lnRef idx="0">
-        <a:scrgbClr r="0" g="0" b="0"/>
-      </a:lnRef>
-      <a:fillRef idx="2">
-        <a:scrgbClr r="0" g="0" b="0"/>
-      </a:fillRef>
-      <a:effectRef idx="1">
-        <a:scrgbClr r="0" g="0" b="0"/>
-      </a:effectRef>
-      <a:fontRef idx="minor">
-        <a:schemeClr val="dk1"/>
-      </a:fontRef>
-    </dgm:style>
-  </dgm:styleLbl>
-  <dgm:styleLbl name="fgImgPlace1">
-    <dgm:scene3d>
-      <a:camera prst="orthographicFront"/>
-      <a:lightRig rig="threePt" dir="t"/>
-    </dgm:scene3d>
-    <dgm:sp3d/>
-    <dgm:txPr/>
-    <dgm:style>
-      <a:lnRef idx="1">
-        <a:scrgbClr r="0" g="0" b="0"/>
-      </a:lnRef>
-      <a:fillRef idx="1">
-        <a:scrgbClr r="0" g="0" b="0"/>
-      </a:fillRef>
-      <a:effectRef idx="1">
-        <a:scrgbClr r="0" g="0" b="0"/>
-      </a:effectRef>
-      <a:fontRef idx="minor"/>
-    </dgm:style>
-  </dgm:styleLbl>
-  <dgm:styleLbl name="alignImgPlace1">
-    <dgm:scene3d>
-      <a:camera prst="orthographicFront"/>
-      <a:lightRig rig="threePt" dir="t"/>
-    </dgm:scene3d>
-    <dgm:sp3d/>
-    <dgm:txPr/>
-    <dgm:style>
-      <a:lnRef idx="1">
-        <a:scrgbClr r="0" g="0" b="0"/>
-      </a:lnRef>
-      <a:fillRef idx="1">
-        <a:scrgbClr r="0" g="0" b="0"/>
-      </a:fillRef>
-      <a:effectRef idx="1">
-        <a:scrgbClr r="0" g="0" b="0"/>
-      </a:effectRef>
-      <a:fontRef idx="minor"/>
-    </dgm:style>
-  </dgm:styleLbl>
-  <dgm:styleLbl name="bgImgPlace1">
-    <dgm:scene3d>
-      <a:camera prst="orthographicFront"/>
-      <a:lightRig rig="threePt" dir="t"/>
-    </dgm:scene3d>
-    <dgm:sp3d/>
-    <dgm:txPr/>
-    <dgm:style>
-      <a:lnRef idx="1">
-        <a:scrgbClr r="0" g="0" b="0"/>
-      </a:lnRef>
-      <a:fillRef idx="1">
-        <a:scrgbClr r="0" g="0" b="0"/>
-      </a:fillRef>
-      <a:effectRef idx="1">
-        <a:scrgbClr r="0" g="0" b="0"/>
-      </a:effectRef>
-      <a:fontRef idx="minor"/>
-    </dgm:style>
-  </dgm:styleLbl>
-  <dgm:styleLbl name="sibTrans2D1">
-    <dgm:scene3d>
-      <a:camera prst="orthographicFront"/>
-      <a:lightRig rig="threePt" dir="t"/>
-    </dgm:scene3d>
-    <dgm:sp3d/>
-    <dgm:txPr/>
-    <dgm:style>
-      <a:lnRef idx="0">
-        <a:scrgbClr r="0" g="0" b="0"/>
-      </a:lnRef>
-      <a:fillRef idx="2">
-        <a:scrgbClr r="0" g="0" b="0"/>
-      </a:fillRef>
-      <a:effectRef idx="1">
-        <a:scrgbClr r="0" g="0" b="0"/>
-      </a:effectRef>
-      <a:fontRef idx="minor">
-        <a:schemeClr val="dk1"/>
-      </a:fontRef>
-    </dgm:style>
-  </dgm:styleLbl>
-  <dgm:styleLbl name="fgSibTrans2D1">
-    <dgm:scene3d>
-      <a:camera prst="orthographicFront"/>
-      <a:lightRig rig="threePt" dir="t"/>
-    </dgm:scene3d>
-    <dgm:sp3d/>
-    <dgm:txPr/>
-    <dgm:style>
-      <a:lnRef idx="0">
-        <a:scrgbClr r="0" g="0" b="0"/>
-      </a:lnRef>
-      <a:fillRef idx="2">
-        <a:scrgbClr r="0" g="0" b="0"/>
-      </a:fillRef>
-      <a:effectRef idx="1">
-        <a:scrgbClr r="0" g="0" b="0"/>
-      </a:effectRef>
-      <a:fontRef idx="minor">
-        <a:schemeClr val="dk1"/>
-      </a:fontRef>
-    </dgm:style>
-  </dgm:styleLbl>
-  <dgm:styleLbl name="bgSibTrans2D1">
-    <dgm:scene3d>
-      <a:camera prst="orthographicFront"/>
-      <a:lightRig rig="threePt" dir="t"/>
-    </dgm:scene3d>
-    <dgm:sp3d/>
-    <dgm:txPr/>
-    <dgm:style>
-      <a:lnRef idx="0">
-        <a:scrgbClr r="0" g="0" b="0"/>
-      </a:lnRef>
-      <a:fillRef idx="2">
-        <a:scrgbClr r="0" g="0" b="0"/>
-      </a:fillRef>
-      <a:effectRef idx="1">
-        <a:scrgbClr r="0" g="0" b="0"/>
-      </a:effectRef>
-      <a:fontRef idx="minor">
-        <a:schemeClr val="dk1"/>
-      </a:fontRef>
-    </dgm:style>
-  </dgm:styleLbl>
-  <dgm:styleLbl name="sibTrans1D1">
-    <dgm:scene3d>
-      <a:camera prst="orthographicFront"/>
-      <a:lightRig rig="threePt" dir="t"/>
-    </dgm:scene3d>
-    <dgm:sp3d/>
-    <dgm:txPr/>
-    <dgm:style>
-      <a:lnRef idx="1">
-        <a:scrgbClr r="0" g="0" b="0"/>
-      </a:lnRef>
-      <a:fillRef idx="0">
-        <a:scrgbClr r="0" g="0" b="0"/>
-      </a:fillRef>
-      <a:effectRef idx="0">
-        <a:scrgbClr r="0" g="0" b="0"/>
-      </a:effectRef>
-      <a:fontRef idx="minor"/>
-    </dgm:style>
-  </dgm:styleLbl>
-  <dgm:styleLbl name="callout">
-    <dgm:scene3d>
-      <a:camera prst="orthographicFront"/>
-      <a:lightRig rig="threePt" dir="t"/>
-    </dgm:scene3d>
-    <dgm:sp3d/>
-    <dgm:txPr/>
-    <dgm:style>
-      <a:lnRef idx="1">
-        <a:scrgbClr r="0" g="0" b="0"/>
-      </a:lnRef>
-      <a:fillRef idx="2">
-        <a:scrgbClr r="0" g="0" b="0"/>
-      </a:fillRef>
-      <a:effectRef idx="1">
-        <a:scrgbClr r="0" g="0" b="0"/>
-      </a:effectRef>
-      <a:fontRef idx="minor"/>
-    </dgm:style>
-  </dgm:styleLbl>
-  <dgm:styleLbl name="asst0">
-    <dgm:scene3d>
-      <a:camera prst="orthographicFront"/>
-      <a:lightRig rig="flat" dir="t"/>
-    </dgm:scene3d>
-    <dgm:sp3d prstMaterial="dkEdge">
-      <a:bevelT w="8200" h="38100"/>
-    </dgm:sp3d>
-    <dgm:txPr/>
-    <dgm:style>
-      <a:lnRef idx="0">
-        <a:scrgbClr r="0" g="0" b="0"/>
-      </a:lnRef>
-      <a:fillRef idx="2">
-        <a:scrgbClr r="0" g="0" b="0"/>
-      </a:fillRef>
-      <a:effectRef idx="1">
-        <a:scrgbClr r="0" g="0" b="0"/>
-      </a:effectRef>
-      <a:fontRef idx="minor">
-        <a:schemeClr val="dk1"/>
-      </a:fontRef>
-    </dgm:style>
-  </dgm:styleLbl>
-  <dgm:styleLbl name="asst1">
-    <dgm:scene3d>
-      <a:camera prst="orthographicFront"/>
-      <a:lightRig rig="flat" dir="t"/>
-    </dgm:scene3d>
-    <dgm:sp3d prstMaterial="dkEdge">
-      <a:bevelT w="8200" h="38100"/>
-    </dgm:sp3d>
-    <dgm:txPr/>
-    <dgm:style>
-      <a:lnRef idx="0">
-        <a:scrgbClr r="0" g="0" b="0"/>
-      </a:lnRef>
-      <a:fillRef idx="2">
-        <a:scrgbClr r="0" g="0" b="0"/>
-      </a:fillRef>
-      <a:effectRef idx="1">
-        <a:scrgbClr r="0" g="0" b="0"/>
-      </a:effectRef>
-      <a:fontRef idx="minor">
-        <a:schemeClr val="dk1"/>
-      </a:fontRef>
-    </dgm:style>
-  </dgm:styleLbl>
-  <dgm:styleLbl name="asst2">
-    <dgm:scene3d>
-      <a:camera prst="orthographicFront"/>
-      <a:lightRig rig="flat" dir="t"/>
-    </dgm:scene3d>
-    <dgm:sp3d prstMaterial="dkEdge">
-      <a:bevelT w="8200" h="38100"/>
-    </dgm:sp3d>
-    <dgm:txPr/>
-    <dgm:style>
-      <a:lnRef idx="0">
-        <a:scrgbClr r="0" g="0" b="0"/>
-      </a:lnRef>
-      <a:fillRef idx="2">
-        <a:scrgbClr r="0" g="0" b="0"/>
-      </a:fillRef>
-      <a:effectRef idx="1">
-        <a:scrgbClr r="0" g="0" b="0"/>
-      </a:effectRef>
-      <a:fontRef idx="minor">
-        <a:schemeClr val="dk1"/>
-      </a:fontRef>
-    </dgm:style>
-  </dgm:styleLbl>
-  <dgm:styleLbl name="asst3">
-    <dgm:scene3d>
-      <a:camera prst="orthographicFront"/>
-      <a:lightRig rig="flat" dir="t"/>
-    </dgm:scene3d>
-    <dgm:sp3d prstMaterial="dkEdge">
-      <a:bevelT w="8200" h="38100"/>
-    </dgm:sp3d>
-    <dgm:txPr/>
-    <dgm:style>
-      <a:lnRef idx="0">
-        <a:scrgbClr r="0" g="0" b="0"/>
-      </a:lnRef>
-      <a:fillRef idx="2">
-        <a:scrgbClr r="0" g="0" b="0"/>
-      </a:fillRef>
-      <a:effectRef idx="1">
-        <a:scrgbClr r="0" g="0" b="0"/>
-      </a:effectRef>
-      <a:fontRef idx="minor">
-        <a:schemeClr val="dk1"/>
-      </a:fontRef>
-    </dgm:style>
-  </dgm:styleLbl>
-  <dgm:styleLbl name="asst4">
-    <dgm:scene3d>
-      <a:camera prst="orthographicFront"/>
-      <a:lightRig rig="flat" dir="t"/>
-    </dgm:scene3d>
-    <dgm:sp3d prstMaterial="dkEdge">
-      <a:bevelT w="8200" h="38100"/>
-    </dgm:sp3d>
-    <dgm:txPr/>
-    <dgm:style>
-      <a:lnRef idx="0">
-        <a:scrgbClr r="0" g="0" b="0"/>
-      </a:lnRef>
-      <a:fillRef idx="2">
-        <a:scrgbClr r="0" g="0" b="0"/>
-      </a:fillRef>
-      <a:effectRef idx="1">
-        <a:scrgbClr r="0" g="0" b="0"/>
-      </a:effectRef>
-      <a:fontRef idx="minor">
-        <a:schemeClr val="dk1"/>
-      </a:fontRef>
-    </dgm:style>
-  </dgm:styleLbl>
-  <dgm:styleLbl name="parChTrans2D1">
-    <dgm:scene3d>
-      <a:camera prst="orthographicFront"/>
-      <a:lightRig rig="threePt" dir="t"/>
-    </dgm:scene3d>
-    <dgm:sp3d/>
-    <dgm:txPr/>
-    <dgm:style>
-      <a:lnRef idx="1">
-        <a:scrgbClr r="0" g="0" b="0"/>
-      </a:lnRef>
-      <a:fillRef idx="2">
-        <a:scrgbClr r="0" g="0" b="0"/>
-      </a:fillRef>
-      <a:effectRef idx="1">
-        <a:scrgbClr r="0" g="0" b="0"/>
-      </a:effectRef>
-      <a:fontRef idx="minor">
-        <a:schemeClr val="dk1"/>
-      </a:fontRef>
-    </dgm:style>
-  </dgm:styleLbl>
-  <dgm:styleLbl name="parChTrans2D2">
-    <dgm:scene3d>
-      <a:camera prst="orthographicFront"/>
-      <a:lightRig rig="threePt" dir="t"/>
-    </dgm:scene3d>
-    <dgm:sp3d/>
-    <dgm:txPr/>
-    <dgm:style>
-      <a:lnRef idx="1">
-        <a:scrgbClr r="0" g="0" b="0"/>
-      </a:lnRef>
-      <a:fillRef idx="2">
-        <a:scrgbClr r="0" g="0" b="0"/>
-      </a:fillRef>
-      <a:effectRef idx="1">
-        <a:scrgbClr r="0" g="0" b="0"/>
-      </a:effectRef>
-      <a:fontRef idx="minor">
-        <a:schemeClr val="dk1"/>
-      </a:fontRef>
-    </dgm:style>
-  </dgm:styleLbl>
-  <dgm:styleLbl name="parChTrans2D3">
-    <dgm:scene3d>
-      <a:camera prst="orthographicFront"/>
-      <a:lightRig rig="threePt" dir="t"/>
-    </dgm:scene3d>
-    <dgm:sp3d/>
-    <dgm:txPr/>
-    <dgm:style>
-      <a:lnRef idx="1">
-        <a:scrgbClr r="0" g="0" b="0"/>
-      </a:lnRef>
-      <a:fillRef idx="2">
-        <a:scrgbClr r="0" g="0" b="0"/>
-      </a:fillRef>
-      <a:effectRef idx="1">
-        <a:scrgbClr r="0" g="0" b="0"/>
-      </a:effectRef>
-      <a:fontRef idx="minor">
-        <a:schemeClr val="dk1"/>
-      </a:fontRef>
-    </dgm:style>
-  </dgm:styleLbl>
-  <dgm:styleLbl name="parChTrans2D4">
-    <dgm:scene3d>
-      <a:camera prst="orthographicFront"/>
-      <a:lightRig rig="threePt" dir="t"/>
-    </dgm:scene3d>
-    <dgm:sp3d/>
-    <dgm:txPr/>
-    <dgm:style>
-      <a:lnRef idx="1">
-        <a:scrgbClr r="0" g="0" b="0"/>
-      </a:lnRef>
-      <a:fillRef idx="2">
-        <a:scrgbClr r="0" g="0" b="0"/>
-      </a:fillRef>
-      <a:effectRef idx="1">
-        <a:scrgbClr r="0" g="0" b="0"/>
-      </a:effectRef>
-      <a:fontRef idx="minor">
-        <a:schemeClr val="dk1"/>
-      </a:fontRef>
-    </dgm:style>
-  </dgm:styleLbl>
-  <dgm:styleLbl name="parChTrans1D1">
-    <dgm:scene3d>
-      <a:camera prst="orthographicFront"/>
-      <a:lightRig rig="threePt" dir="t"/>
-    </dgm:scene3d>
-    <dgm:sp3d/>
-    <dgm:txPr/>
-    <dgm:style>
-      <a:lnRef idx="2">
-        <a:scrgbClr r="0" g="0" b="0"/>
-      </a:lnRef>
-      <a:fillRef idx="0">
-        <a:scrgbClr r="0" g="0" b="0"/>
-      </a:fillRef>
-      <a:effectRef idx="0">
-        <a:scrgbClr r="0" g="0" b="0"/>
-      </a:effectRef>
-      <a:fontRef idx="minor"/>
-    </dgm:style>
-  </dgm:styleLbl>
-  <dgm:styleLbl name="parChTrans1D2">
-    <dgm:scene3d>
-      <a:camera prst="orthographicFront"/>
-      <a:lightRig rig="threePt" dir="t"/>
-    </dgm:scene3d>
-    <dgm:sp3d/>
-    <dgm:txPr/>
-    <dgm:style>
-      <a:lnRef idx="2">
-        <a:scrgbClr r="0" g="0" b="0"/>
-      </a:lnRef>
-      <a:fillRef idx="0">
-        <a:scrgbClr r="0" g="0" b="0"/>
-      </a:fillRef>
-      <a:effectRef idx="0">
-        <a:scrgbClr r="0" g="0" b="0"/>
-      </a:effectRef>
-      <a:fontRef idx="minor"/>
-    </dgm:style>
-  </dgm:styleLbl>
-  <dgm:styleLbl name="parChTrans1D3">
-    <dgm:scene3d>
-      <a:camera prst="orthographicFront"/>
-      <a:lightRig rig="threePt" dir="t"/>
-    </dgm:scene3d>
-    <dgm:sp3d/>
-    <dgm:txPr/>
-    <dgm:style>
-      <a:lnRef idx="2">
-        <a:scrgbClr r="0" g="0" b="0"/>
-      </a:lnRef>
-      <a:fillRef idx="0">
-        <a:scrgbClr r="0" g="0" b="0"/>
-      </a:fillRef>
-      <a:effectRef idx="0">
-        <a:scrgbClr r="0" g="0" b="0"/>
-      </a:effectRef>
-      <a:fontRef idx="minor"/>
-    </dgm:style>
-  </dgm:styleLbl>
-  <dgm:styleLbl name="parChTrans1D4">
-    <dgm:scene3d>
-      <a:camera prst="orthographicFront"/>
-      <a:lightRig rig="threePt" dir="t"/>
-    </dgm:scene3d>
-    <dgm:sp3d/>
-    <dgm:txPr/>
-    <dgm:style>
-      <a:lnRef idx="2">
-        <a:scrgbClr r="0" g="0" b="0"/>
-      </a:lnRef>
-      <a:fillRef idx="0">
-        <a:scrgbClr r="0" g="0" b="0"/>
-      </a:fillRef>
-      <a:effectRef idx="0">
-        <a:scrgbClr r="0" g="0" b="0"/>
-      </a:effectRef>
-      <a:fontRef idx="minor"/>
-    </dgm:style>
-  </dgm:styleLbl>
-  <dgm:styleLbl name="fgAcc1">
-    <dgm:scene3d>
-      <a:camera prst="orthographicFront"/>
-      <a:lightRig rig="threePt" dir="t"/>
-    </dgm:scene3d>
-    <dgm:sp3d/>
-    <dgm:txPr/>
-    <dgm:style>
-      <a:lnRef idx="1">
-        <a:scrgbClr r="0" g="0" b="0"/>
-      </a:lnRef>
-      <a:fillRef idx="1">
-        <a:scrgbClr r="0" g="0" b="0"/>
-      </a:fillRef>
-      <a:effectRef idx="0">
-        <a:scrgbClr r="0" g="0" b="0"/>
-      </a:effectRef>
-      <a:fontRef idx="minor"/>
-    </dgm:style>
-  </dgm:styleLbl>
-  <dgm:styleLbl name="conFgAcc1">
-    <dgm:scene3d>
-      <a:camera prst="orthographicFront"/>
-      <a:lightRig rig="threePt" dir="t"/>
-    </dgm:scene3d>
-    <dgm:sp3d/>
-    <dgm:txPr/>
-    <dgm:style>
-      <a:lnRef idx="1">
-        <a:scrgbClr r="0" g="0" b="0"/>
-      </a:lnRef>
-      <a:fillRef idx="1">
-        <a:scrgbClr r="0" g="0" b="0"/>
-      </a:fillRef>
-      <a:effectRef idx="0">
-        <a:scrgbClr r="0" g="0" b="0"/>
-      </a:effectRef>
-      <a:fontRef idx="minor"/>
-    </dgm:style>
-  </dgm:styleLbl>
-  <dgm:styleLbl name="alignAcc1">
-    <dgm:scene3d>
-      <a:camera prst="orthographicFront"/>
-      <a:lightRig rig="threePt" dir="t"/>
-    </dgm:scene3d>
-    <dgm:sp3d/>
-    <dgm:txPr/>
-    <dgm:style>
-      <a:lnRef idx="1">
-        <a:scrgbClr r="0" g="0" b="0"/>
-      </a:lnRef>
-      <a:fillRef idx="1">
-        <a:scrgbClr r="0" g="0" b="0"/>
-      </a:fillRef>
-      <a:effectRef idx="0">
-        <a:scrgbClr r="0" g="0" b="0"/>
-      </a:effectRef>
-      <a:fontRef idx="minor"/>
-    </dgm:style>
-  </dgm:styleLbl>
-  <dgm:styleLbl name="trAlignAcc1">
-    <dgm:scene3d>
-      <a:camera prst="orthographicFront"/>
-      <a:lightRig rig="threePt" dir="t"/>
-    </dgm:scene3d>
-    <dgm:sp3d/>
-    <dgm:txPr/>
-    <dgm:style>
-      <a:lnRef idx="1">
-        <a:scrgbClr r="0" g="0" b="0"/>
-      </a:lnRef>
-      <a:fillRef idx="1">
-        <a:scrgbClr r="0" g="0" b="0"/>
-      </a:fillRef>
-      <a:effectRef idx="0">
-        <a:scrgbClr r="0" g="0" b="0"/>
-      </a:effectRef>
-      <a:fontRef idx="minor"/>
-    </dgm:style>
-  </dgm:styleLbl>
-  <dgm:styleLbl name="bgAcc1">
-    <dgm:scene3d>
-      <a:camera prst="orthographicFront"/>
-      <a:lightRig rig="threePt" dir="t"/>
-    </dgm:scene3d>
-    <dgm:sp3d/>
-    <dgm:txPr/>
-    <dgm:style>
-      <a:lnRef idx="1">
-        <a:scrgbClr r="0" g="0" b="0"/>
-      </a:lnRef>
-      <a:fillRef idx="1">
-        <a:scrgbClr r="0" g="0" b="0"/>
-      </a:fillRef>
-      <a:effectRef idx="0">
-        <a:scrgbClr r="0" g="0" b="0"/>
-      </a:effectRef>
-      <a:fontRef idx="minor"/>
-    </dgm:style>
-  </dgm:styleLbl>
-  <dgm:styleLbl name="solidFgAcc1">
-    <dgm:scene3d>
-      <a:camera prst="orthographicFront"/>
-      <a:lightRig rig="threePt" dir="t"/>
-    </dgm:scene3d>
-    <dgm:sp3d/>
-    <dgm:txPr/>
-    <dgm:style>
-      <a:lnRef idx="1">
-        <a:scrgbClr r="0" g="0" b="0"/>
-      </a:lnRef>
-      <a:fillRef idx="2">
-        <a:scrgbClr r="0" g="0" b="0"/>
-      </a:fillRef>
-      <a:effectRef idx="0">
-        <a:scrgbClr r="0" g="0" b="0"/>
-      </a:effectRef>
-      <a:fontRef idx="minor"/>
-    </dgm:style>
-  </dgm:styleLbl>
-  <dgm:styleLbl name="solidAlignAcc1">
-    <dgm:scene3d>
-      <a:camera prst="orthographicFront"/>
-      <a:lightRig rig="threePt" dir="t"/>
-    </dgm:scene3d>
-    <dgm:sp3d/>
-    <dgm:txPr/>
-    <dgm:style>
-      <a:lnRef idx="1">
-        <a:scrgbClr r="0" g="0" b="0"/>
-      </a:lnRef>
-      <a:fillRef idx="1">
-        <a:scrgbClr r="0" g="0" b="0"/>
-      </a:fillRef>
-      <a:effectRef idx="0">
-        <a:scrgbClr r="0" g="0" b="0"/>
-      </a:effectRef>
-      <a:fontRef idx="minor"/>
-    </dgm:style>
-  </dgm:styleLbl>
-  <dgm:styleLbl name="solidBgAcc1">
-    <dgm:scene3d>
-      <a:camera prst="orthographicFront"/>
-      <a:lightRig rig="threePt" dir="t"/>
-    </dgm:scene3d>
-    <dgm:sp3d/>
-    <dgm:txPr/>
-    <dgm:style>
-      <a:lnRef idx="1">
-        <a:scrgbClr r="0" g="0" b="0"/>
-      </a:lnRef>
-      <a:fillRef idx="1">
-        <a:scrgbClr r="0" g="0" b="0"/>
-      </a:fillRef>
-      <a:effectRef idx="0">
-        <a:scrgbClr r="0" g="0" b="0"/>
-      </a:effectRef>
-      <a:fontRef idx="minor"/>
-    </dgm:style>
-  </dgm:styleLbl>
-  <dgm:styleLbl name="fgAccFollowNode1">
-    <dgm:scene3d>
-      <a:camera prst="orthographicFront"/>
-      <a:lightRig rig="threePt" dir="t"/>
-    </dgm:scene3d>
-    <dgm:sp3d/>
-    <dgm:txPr/>
-    <dgm:style>
-      <a:lnRef idx="1">
-        <a:scrgbClr r="0" g="0" b="0"/>
-      </a:lnRef>
-      <a:fillRef idx="1">
-        <a:scrgbClr r="0" g="0" b="0"/>
-      </a:fillRef>
-      <a:effectRef idx="0">
-        <a:scrgbClr r="0" g="0" b="0"/>
-      </a:effectRef>
-      <a:fontRef idx="minor"/>
-    </dgm:style>
-  </dgm:styleLbl>
-  <dgm:styleLbl name="alignAccFollowNode1">
-    <dgm:scene3d>
-      <a:camera prst="orthographicFront"/>
-      <a:lightRig rig="threePt" dir="t"/>
-    </dgm:scene3d>
-    <dgm:sp3d/>
-    <dgm:txPr/>
-    <dgm:style>
-      <a:lnRef idx="1">
-        <a:scrgbClr r="0" g="0" b="0"/>
-      </a:lnRef>
-      <a:fillRef idx="1">
-        <a:scrgbClr r="0" g="0" b="0"/>
-      </a:fillRef>
-      <a:effectRef idx="0">
-        <a:scrgbClr r="0" g="0" b="0"/>
-      </a:effectRef>
-      <a:fontRef idx="minor"/>
-    </dgm:style>
-  </dgm:styleLbl>
-  <dgm:styleLbl name="bgAccFollowNode1">
-    <dgm:scene3d>
-      <a:camera prst="orthographicFront"/>
-      <a:lightRig rig="threePt" dir="t"/>
-    </dgm:scene3d>
-    <dgm:sp3d/>
-    <dgm:txPr/>
-    <dgm:style>
-      <a:lnRef idx="1">
-        <a:scrgbClr r="0" g="0" b="0"/>
-      </a:lnRef>
-      <a:fillRef idx="1">
-        <a:scrgbClr r="0" g="0" b="0"/>
-      </a:fillRef>
-      <a:effectRef idx="0">
-        <a:scrgbClr r="0" g="0" b="0"/>
-      </a:effectRef>
-      <a:fontRef idx="minor"/>
-    </dgm:style>
-  </dgm:styleLbl>
-  <dgm:styleLbl name="fgAcc0">
-    <dgm:scene3d>
-      <a:camera prst="orthographicFront"/>
-      <a:lightRig rig="threePt" dir="t"/>
-    </dgm:scene3d>
-    <dgm:sp3d/>
-    <dgm:txPr/>
-    <dgm:style>
-      <a:lnRef idx="1">
-        <a:scrgbClr r="0" g="0" b="0"/>
-      </a:lnRef>
-      <a:fillRef idx="1">
-        <a:scrgbClr r="0" g="0" b="0"/>
-      </a:fillRef>
-      <a:effectRef idx="0">
-        <a:scrgbClr r="0" g="0" b="0"/>
-      </a:effectRef>
-      <a:fontRef idx="minor"/>
-    </dgm:style>
-  </dgm:styleLbl>
-  <dgm:styleLbl name="fgAcc2">
-    <dgm:scene3d>
-      <a:camera prst="orthographicFront"/>
-      <a:lightRig rig="threePt" dir="t"/>
-    </dgm:scene3d>
-    <dgm:sp3d/>
-    <dgm:txPr/>
-    <dgm:style>
-      <a:lnRef idx="1">
-        <a:scrgbClr r="0" g="0" b="0"/>
-      </a:lnRef>
-      <a:fillRef idx="1">
-        <a:scrgbClr r="0" g="0" b="0"/>
-      </a:fillRef>
-      <a:effectRef idx="0">
-        <a:scrgbClr r="0" g="0" b="0"/>
-      </a:effectRef>
-      <a:fontRef idx="minor"/>
-    </dgm:style>
-  </dgm:styleLbl>
-  <dgm:styleLbl name="fgAcc3">
-    <dgm:scene3d>
-      <a:camera prst="orthographicFront"/>
-      <a:lightRig rig="threePt" dir="t"/>
-    </dgm:scene3d>
-    <dgm:sp3d/>
-    <dgm:txPr/>
-    <dgm:style>
-      <a:lnRef idx="1">
-        <a:scrgbClr r="0" g="0" b="0"/>
-      </a:lnRef>
-      <a:fillRef idx="1">
-        <a:scrgbClr r="0" g="0" b="0"/>
-      </a:fillRef>
-      <a:effectRef idx="0">
-        <a:scrgbClr r="0" g="0" b="0"/>
-      </a:effectRef>
-      <a:fontRef idx="minor"/>
-    </dgm:style>
-  </dgm:styleLbl>
-  <dgm:styleLbl name="fgAcc4">
-    <dgm:scene3d>
-      <a:camera prst="orthographicFront"/>
-      <a:lightRig rig="threePt" dir="t"/>
-    </dgm:scene3d>
-    <dgm:sp3d/>
-    <dgm:txPr/>
-    <dgm:style>
-      <a:lnRef idx="1">
-        <a:scrgbClr r="0" g="0" b="0"/>
-      </a:lnRef>
-      <a:fillRef idx="1">
-        <a:scrgbClr r="0" g="0" b="0"/>
-      </a:fillRef>
-      <a:effectRef idx="0">
-        <a:scrgbClr r="0" g="0" b="0"/>
-      </a:effectRef>
-      <a:fontRef idx="minor"/>
-    </dgm:style>
-  </dgm:styleLbl>
-  <dgm:styleLbl name="bgShp">
-    <dgm:scene3d>
-      <a:camera prst="orthographicFront"/>
-      <a:lightRig rig="threePt" dir="t"/>
-    </dgm:scene3d>
-    <dgm:sp3d/>
-    <dgm:txPr/>
-    <dgm:style>
-      <a:lnRef idx="0">
-        <a:scrgbClr r="0" g="0" b="0"/>
-      </a:lnRef>
-      <a:fillRef idx="1">
-        <a:scrgbClr r="0" g="0" b="0"/>
-      </a:fillRef>
-      <a:effectRef idx="1">
-        <a:scrgbClr r="0" g="0" b="0"/>
-      </a:effectRef>
-      <a:fontRef idx="minor"/>
-    </dgm:style>
-  </dgm:styleLbl>
-  <dgm:styleLbl name="dkBgShp">
-    <dgm:scene3d>
-      <a:camera prst="orthographicFront"/>
-      <a:lightRig rig="threePt" dir="t"/>
-    </dgm:scene3d>
-    <dgm:sp3d/>
-    <dgm:txPr/>
-    <dgm:style>
-      <a:lnRef idx="0">
-        <a:scrgbClr r="0" g="0" b="0"/>
-      </a:lnRef>
-      <a:fillRef idx="1">
-        <a:scrgbClr r="0" g="0" b="0"/>
-      </a:fillRef>
-      <a:effectRef idx="1">
-        <a:scrgbClr r="0" g="0" b="0"/>
-      </a:effectRef>
-      <a:fontRef idx="minor"/>
-    </dgm:style>
-  </dgm:styleLbl>
-  <dgm:styleLbl name="trBgShp">
-    <dgm:scene3d>
-      <a:camera prst="orthographicFront"/>
-      <a:lightRig rig="threePt" dir="t"/>
-    </dgm:scene3d>
-    <dgm:sp3d/>
-    <dgm:txPr/>
-    <dgm:style>
-      <a:lnRef idx="0">
-        <a:scrgbClr r="0" g="0" b="0"/>
-      </a:lnRef>
-      <a:fillRef idx="1">
-        <a:scrgbClr r="0" g="0" b="0"/>
-      </a:fillRef>
-      <a:effectRef idx="0">
-        <a:scrgbClr r="0" g="0" b="0"/>
-      </a:effectRef>
-      <a:fontRef idx="minor"/>
-    </dgm:style>
-  </dgm:styleLbl>
-  <dgm:styleLbl name="fgShp">
-    <dgm:scene3d>
-      <a:camera prst="orthographicFront"/>
-      <a:lightRig rig="flat" dir="t"/>
-    </dgm:scene3d>
-    <dgm:sp3d prstMaterial="dkEdge">
-      <a:bevelT w="8200" h="38100"/>
-    </dgm:sp3d>
-    <dgm:txPr/>
-    <dgm:style>
-      <a:lnRef idx="1">
-        <a:scrgbClr r="0" g="0" b="0"/>
-      </a:lnRef>
-      <a:fillRef idx="2">
-        <a:scrgbClr r="0" g="0" b="0"/>
-      </a:fillRef>
-      <a:effectRef idx="1">
-        <a:scrgbClr r="0" g="0" b="0"/>
-      </a:effectRef>
-      <a:fontRef idx="minor"/>
-    </dgm:style>
-  </dgm:styleLbl>
-  <dgm:styleLbl name="revTx">
-    <dgm:scene3d>
-      <a:camera prst="orthographicFront"/>
-      <a:lightRig rig="threePt" dir="t"/>
-    </dgm:scene3d>
-    <dgm:sp3d/>
-    <dgm:txPr/>
-    <dgm:style>
-      <a:lnRef idx="0">
-        <a:scrgbClr r="0" g="0" b="0"/>
-      </a:lnRef>
-      <a:fillRef idx="0">
-        <a:scrgbClr r="0" g="0" b="0"/>
-      </a:fillRef>
-      <a:effectRef idx="0">
-        <a:scrgbClr r="0" g="0" b="0"/>
-      </a:effectRef>
-      <a:fontRef idx="minor"/>
-    </dgm:style>
-  </dgm:styleLbl>
-</dgm:styleDef>
 </file>
 
 <file path=ppt/notesMasters/notesMaster1.xml><?xml version="1.0" encoding="utf-8"?>
@@ -13585,7 +10845,7 @@
         </p:nvSpPr>
         <p:spPr>
           <a:xfrm>
-            <a:off x="634954" y="577545"/>
+            <a:off x="730112" y="706082"/>
             <a:ext cx="42736498" cy="4968090"/>
           </a:xfrm>
           <a:prstGeom prst="roundRect">
@@ -17440,8 +14700,8 @@
         </p:nvSpPr>
         <p:spPr>
           <a:xfrm>
-            <a:off x="33119200" y="6162935"/>
-            <a:ext cx="9924221" cy="935205"/>
+            <a:off x="22169519" y="19141755"/>
+            <a:ext cx="9918560" cy="935205"/>
           </a:xfrm>
           <a:prstGeom prst="rect">
             <a:avLst/>
@@ -17489,7 +14749,33 @@
                 <a:sym typeface="Arial"/>
                 <a:rtl val="0"/>
               </a:rPr>
-              <a:t>Implemented Mocha Unit Testing Framework</a:t>
+              <a:t>Optimized Mocha </a:t>
+            </a:r>
+            <a:r>
+              <a:rPr lang="en-US" sz="3600" b="0" i="0" u="none" strike="noStrike" cap="none" baseline="0" dirty="0" smtClean="0">
+                <a:solidFill>
+                  <a:srgbClr val="017C00"/>
+                </a:solidFill>
+                <a:latin typeface="Arial"/>
+                <a:ea typeface="Arial"/>
+                <a:cs typeface="Arial"/>
+                <a:sym typeface="Arial"/>
+                <a:rtl val="0"/>
+              </a:rPr>
+              <a:t>Unit Testing </a:t>
+            </a:r>
+            <a:r>
+              <a:rPr lang="en-US" sz="3600" b="0" i="0" u="none" strike="noStrike" cap="none" baseline="0" dirty="0" smtClean="0">
+                <a:solidFill>
+                  <a:srgbClr val="017C00"/>
+                </a:solidFill>
+                <a:latin typeface="Arial"/>
+                <a:ea typeface="Arial"/>
+                <a:cs typeface="Arial"/>
+                <a:sym typeface="Arial"/>
+                <a:rtl val="0"/>
+              </a:rPr>
+              <a:t>Framework</a:t>
             </a:r>
             <a:endParaRPr lang="en-US" sz="3600" b="0" i="0" u="none" strike="noStrike" cap="none" baseline="0" dirty="0">
               <a:solidFill>
@@ -17512,8 +14798,8 @@
         </p:nvSpPr>
         <p:spPr>
           <a:xfrm>
-            <a:off x="33121125" y="7098140"/>
-            <a:ext cx="9921300" cy="11317258"/>
+            <a:off x="22180670" y="20076959"/>
+            <a:ext cx="9918560" cy="11980529"/>
           </a:xfrm>
           <a:prstGeom prst="rect">
             <a:avLst/>
@@ -17538,9 +14824,34 @@
               <a:buSzPct val="25000"/>
             </a:pPr>
             <a:r>
-              <a:rPr lang="en-US" sz="2200" b="1" dirty="0"/>
-              <a:t>Beta Version Allows for Testing of New Features</a:t>
-            </a:r>
+              <a:rPr lang="en-US" sz="2200" b="1" dirty="0" smtClean="0">
+                <a:solidFill>
+                  <a:schemeClr val="dk1"/>
+                </a:solidFill>
+              </a:rPr>
+              <a:t>Unit </a:t>
+            </a:r>
+            <a:r>
+              <a:rPr lang="en-US" sz="2200" b="1" dirty="0">
+                <a:solidFill>
+                  <a:schemeClr val="dk1"/>
+                </a:solidFill>
+              </a:rPr>
+              <a:t>Testing Framework </a:t>
+            </a:r>
+            <a:r>
+              <a:rPr lang="en-US" sz="2200" b="1" dirty="0" smtClean="0">
+                <a:solidFill>
+                  <a:schemeClr val="dk1"/>
+                </a:solidFill>
+              </a:rPr>
+              <a:t>Optimized</a:t>
+            </a:r>
+            <a:endParaRPr lang="en-US" sz="2200" b="1" dirty="0">
+              <a:solidFill>
+                <a:schemeClr val="dk1"/>
+              </a:solidFill>
+            </a:endParaRPr>
           </a:p>
           <a:p>
             <a:pPr marL="236538" lvl="0" indent="-236538">
@@ -17552,53 +14863,52 @@
               <a:buChar char="•"/>
             </a:pPr>
             <a:r>
-              <a:rPr lang="en-US" sz="2200" dirty="0"/>
-              <a:t>A beta version </a:t>
-            </a:r>
-            <a:r>
               <a:rPr lang="en-US" sz="2200" dirty="0" smtClean="0"/>
-              <a:t>of </a:t>
+              <a:t>The unit testing framework, executed through Mocha and Chai </a:t>
             </a:r>
             <a:r>
               <a:rPr lang="en-US" sz="2200" dirty="0" err="1" smtClean="0"/>
-              <a:t>GRNsight</a:t>
+              <a:t>Javascript</a:t>
             </a:r>
             <a:r>
               <a:rPr lang="en-US" sz="2200" dirty="0" smtClean="0"/>
-              <a:t> was </a:t>
-            </a:r>
-            <a:r>
-              <a:rPr lang="en-US" sz="2200" dirty="0"/>
-              <a:t>created to allow for testing of new features and catching any potential new errors before releasing to </a:t>
-            </a:r>
+              <a:t> test framework, consists of 161 passing tests covering over 500 test files,</a:t>
+            </a:r>
+          </a:p>
+          <a:p>
+            <a:pPr marL="236538" lvl="0" indent="-236538">
+              <a:buClr>
+                <a:srgbClr val="000000"/>
+              </a:buClr>
+              <a:buSzPct val="100000"/>
+              <a:buFont typeface="Arial"/>
+              <a:buChar char="•"/>
+            </a:pPr>
             <a:r>
               <a:rPr lang="en-US" sz="2200" dirty="0" smtClean="0"/>
-              <a:t>the master set of code.</a:t>
-            </a:r>
-            <a:endParaRPr lang="en-US" sz="800" dirty="0"/>
-          </a:p>
-          <a:p>
-            <a:pPr>
+              <a:t>With the addition of SIF, </a:t>
+            </a:r>
+            <a:r>
+              <a:rPr lang="en-US" sz="2200" dirty="0" err="1" smtClean="0"/>
+              <a:t>GraphML</a:t>
+            </a:r>
+            <a:r>
+              <a:rPr lang="en-US" sz="2200" dirty="0" smtClean="0"/>
+              <a:t>, and Excel imports, the decision was made to optimize organization of the testing framework.</a:t>
+            </a:r>
+          </a:p>
+          <a:p>
+            <a:pPr marL="236538" lvl="0" indent="-236538">
               <a:buClr>
                 <a:srgbClr val="000000"/>
               </a:buClr>
               <a:buSzPct val="100000"/>
-            </a:pPr>
-            <a:r>
-              <a:rPr lang="en-US" sz="2200" b="1" dirty="0" smtClean="0">
-                <a:solidFill>
-                  <a:schemeClr val="dk1"/>
-                </a:solidFill>
-              </a:rPr>
-              <a:t>New </a:t>
-            </a:r>
-            <a:r>
-              <a:rPr lang="en-US" sz="2200" b="1" dirty="0">
-                <a:solidFill>
-                  <a:schemeClr val="dk1"/>
-                </a:solidFill>
-              </a:rPr>
-              <a:t>Unit Testing Framework Implemented</a:t>
+              <a:buFont typeface="Arial"/>
+              <a:buChar char="•"/>
+            </a:pPr>
+            <a:r>
+              <a:rPr lang="en-US" sz="2200" dirty="0" smtClean="0"/>
+              <a:t>Testing is now split into 2 different test “groups,” with “semantic” tests being file-format independent, and individualized “syntactic” tests being based on the different file formats.</a:t>
             </a:r>
           </a:p>
           <a:p>
@@ -17612,66 +14922,17 @@
             </a:pPr>
             <a:r>
               <a:rPr lang="en-US" sz="2200" dirty="0" smtClean="0"/>
-              <a:t>In order to follow Test Driven Development (TDD) practices, a unit testing framework was created with 161 passing tests covering over 500 test files.</a:t>
-            </a:r>
-          </a:p>
-          <a:p>
-            <a:pPr marL="236538" lvl="0" indent="-236538">
-              <a:buClr>
-                <a:srgbClr val="000000"/>
-              </a:buClr>
-              <a:buSzPct val="100000"/>
-              <a:buFont typeface="Arial"/>
-              <a:buChar char="•"/>
-            </a:pPr>
+              <a:t>Errors found in the </a:t>
+            </a:r>
             <a:r>
               <a:rPr lang="en-US" sz="2200" dirty="0" smtClean="0"/>
-              <a:t>Unit </a:t>
-            </a:r>
-            <a:r>
-              <a:rPr lang="en-US" sz="2200" dirty="0"/>
-              <a:t>testing </a:t>
+              <a:t>“</a:t>
             </a:r>
             <a:r>
               <a:rPr lang="en-US" sz="2200" dirty="0" smtClean="0"/>
-              <a:t>is now executed </a:t>
-            </a:r>
-            <a:r>
-              <a:rPr lang="en-US" sz="2200" dirty="0"/>
-              <a:t>through Mocha, a JavaScript test </a:t>
-            </a:r>
-            <a:r>
-              <a:rPr lang="en-US" sz="2200" dirty="0" smtClean="0"/>
-              <a:t>framework running on </a:t>
-            </a:r>
-            <a:r>
-              <a:rPr lang="en-US" sz="2200" dirty="0" err="1" smtClean="0"/>
-              <a:t>node.js</a:t>
-            </a:r>
-            <a:r>
-              <a:rPr lang="en-US" sz="2200" dirty="0" smtClean="0"/>
-              <a:t> and are </a:t>
-            </a:r>
-            <a:r>
-              <a:rPr lang="en-US" sz="2200" dirty="0"/>
-              <a:t>written in Chai, </a:t>
-            </a:r>
-            <a:r>
-              <a:rPr lang="en-US" sz="2200" dirty="0" smtClean="0"/>
-              <a:t>an assertion </a:t>
-            </a:r>
-            <a:r>
-              <a:rPr lang="en-US" sz="2200" dirty="0"/>
-              <a:t>library for </a:t>
-            </a:r>
-            <a:r>
-              <a:rPr lang="en-US" sz="2200" dirty="0" err="1" smtClean="0"/>
-              <a:t>node.js</a:t>
-            </a:r>
-            <a:r>
-              <a:rPr lang="en-US" sz="2200" dirty="0" smtClean="0"/>
-              <a:t>.</a:t>
-            </a:r>
+              <a:t>semantic” checker test are generally considered fatal, whereas most of the “syntactic” checker tests return warnings.</a:t>
+            </a:r>
+            <a:endParaRPr lang="en-US" sz="2200" dirty="0" smtClean="0"/>
           </a:p>
         </p:txBody>
       </p:sp>
@@ -17853,8 +15114,8 @@
         </p:nvSpPr>
         <p:spPr>
           <a:xfrm>
-            <a:off x="11427192" y="7081560"/>
-            <a:ext cx="20660887" cy="11605499"/>
+            <a:off x="11424051" y="7081560"/>
+            <a:ext cx="20664029" cy="11605499"/>
           </a:xfrm>
           <a:prstGeom prst="rect">
             <a:avLst/>
@@ -17937,8 +15198,8 @@
         </p:nvSpPr>
         <p:spPr>
           <a:xfrm>
-            <a:off x="11500250" y="20078313"/>
-            <a:ext cx="20660887" cy="11979176"/>
+            <a:off x="11500250" y="20104346"/>
+            <a:ext cx="9910513" cy="11980529"/>
           </a:xfrm>
           <a:prstGeom prst="rect">
             <a:avLst/>
@@ -17993,8 +15254,8 @@
         </p:nvSpPr>
         <p:spPr>
           <a:xfrm>
-            <a:off x="11500250" y="19143214"/>
-            <a:ext cx="20660887" cy="935205"/>
+            <a:off x="11500251" y="19143214"/>
+            <a:ext cx="9910512" cy="935205"/>
           </a:xfrm>
           <a:prstGeom prst="rect">
             <a:avLst/>
@@ -18032,46 +15293,37 @@
               <a:buNone/>
             </a:pPr>
             <a:r>
-              <a:rPr lang="en-US" sz="3600" b="0" i="0" u="none" strike="noStrike" cap="none" baseline="0" dirty="0" err="1" smtClean="0">
+              <a:rPr lang="en-US" sz="3000" b="0" i="0" u="none" strike="noStrike" cap="none" baseline="0" dirty="0" err="1" smtClean="0">
                 <a:solidFill>
                   <a:srgbClr val="017C00"/>
                 </a:solidFill>
-                <a:latin typeface="Arial"/>
-                <a:ea typeface="Arial"/>
-                <a:cs typeface="Arial"/>
                 <a:sym typeface="Arial"/>
                 <a:rtl val="0"/>
               </a:rPr>
               <a:t>GRNsight</a:t>
             </a:r>
             <a:r>
-              <a:rPr lang="en-US" sz="3600" b="0" i="0" u="none" strike="noStrike" cap="none" baseline="0" dirty="0" smtClean="0">
+              <a:rPr lang="en-US" sz="3000" b="0" i="0" u="none" strike="noStrike" cap="none" baseline="0" dirty="0" smtClean="0">
                 <a:solidFill>
                   <a:srgbClr val="017C00"/>
                 </a:solidFill>
-                <a:latin typeface="Arial"/>
-                <a:ea typeface="Arial"/>
-                <a:cs typeface="Arial"/>
                 <a:sym typeface="Arial"/>
                 <a:rtl val="0"/>
               </a:rPr>
               <a:t> Has</a:t>
             </a:r>
             <a:r>
-              <a:rPr lang="en-US" sz="3600" b="0" i="0" u="none" strike="noStrike" cap="none" dirty="0" smtClean="0">
+              <a:rPr lang="en-US" sz="3000" b="0" i="0" u="none" strike="noStrike" cap="none" dirty="0" smtClean="0">
                 <a:solidFill>
                   <a:srgbClr val="017C00"/>
                 </a:solidFill>
-                <a:latin typeface="Arial"/>
-                <a:ea typeface="Arial"/>
-                <a:cs typeface="Arial"/>
                 <a:sym typeface="Arial"/>
                 <a:rtl val="0"/>
               </a:rPr>
               <a:t> </a:t>
             </a:r>
             <a:r>
-              <a:rPr lang="en-US" sz="3600" dirty="0">
+              <a:rPr lang="en-US" sz="3000" dirty="0">
                 <a:solidFill>
                   <a:srgbClr val="017C00"/>
                 </a:solidFill>
@@ -18079,20 +15331,17 @@
               <a:t>S</a:t>
             </a:r>
             <a:r>
-              <a:rPr lang="en-US" sz="3600" b="0" i="0" u="none" strike="noStrike" cap="none" dirty="0" smtClean="0">
+              <a:rPr lang="en-US" sz="3000" b="0" i="0" u="none" strike="noStrike" cap="none" dirty="0" smtClean="0">
                 <a:solidFill>
                   <a:srgbClr val="017C00"/>
                 </a:solidFill>
-                <a:latin typeface="Arial"/>
-                <a:ea typeface="Arial"/>
-                <a:cs typeface="Arial"/>
                 <a:sym typeface="Arial"/>
                 <a:rtl val="0"/>
               </a:rPr>
               <a:t>ophisticated </a:t>
             </a:r>
             <a:r>
-              <a:rPr lang="en-US" sz="3600" dirty="0">
+              <a:rPr lang="en-US" sz="3000" dirty="0">
                 <a:solidFill>
                   <a:srgbClr val="017C00"/>
                 </a:solidFill>
@@ -18100,20 +15349,17 @@
               <a:t>A</a:t>
             </a:r>
             <a:r>
-              <a:rPr lang="en-US" sz="3600" b="0" i="0" u="none" strike="noStrike" cap="none" dirty="0" smtClean="0">
+              <a:rPr lang="en-US" sz="3000" b="0" i="0" u="none" strike="noStrike" cap="none" dirty="0" smtClean="0">
                 <a:solidFill>
                   <a:srgbClr val="017C00"/>
                 </a:solidFill>
-                <a:latin typeface="Arial"/>
-                <a:ea typeface="Arial"/>
-                <a:cs typeface="Arial"/>
                 <a:sym typeface="Arial"/>
                 <a:rtl val="0"/>
               </a:rPr>
               <a:t>rchitecture and Follows Open Source </a:t>
             </a:r>
             <a:r>
-              <a:rPr lang="en-US" sz="3600" dirty="0">
+              <a:rPr lang="en-US" sz="3000" dirty="0">
                 <a:solidFill>
                   <a:srgbClr val="017C00"/>
                 </a:solidFill>
@@ -18121,25 +15367,19 @@
               <a:t>D</a:t>
             </a:r>
             <a:r>
-              <a:rPr lang="en-US" sz="3600" b="0" i="0" u="none" strike="noStrike" cap="none" dirty="0" smtClean="0">
+              <a:rPr lang="en-US" sz="3000" b="0" i="0" u="none" strike="noStrike" cap="none" dirty="0" smtClean="0">
                 <a:solidFill>
                   <a:srgbClr val="017C00"/>
                 </a:solidFill>
-                <a:latin typeface="Arial"/>
-                <a:ea typeface="Arial"/>
-                <a:cs typeface="Arial"/>
                 <a:sym typeface="Arial"/>
                 <a:rtl val="0"/>
               </a:rPr>
               <a:t>evelopment Practices</a:t>
             </a:r>
-            <a:endParaRPr lang="en-US" sz="3600" b="0" i="0" u="none" strike="noStrike" cap="none" baseline="0" dirty="0">
+            <a:endParaRPr lang="en-US" sz="3000" b="0" i="0" u="none" strike="noStrike" cap="none" baseline="0" dirty="0">
               <a:solidFill>
                 <a:srgbClr val="017C00"/>
               </a:solidFill>
-              <a:latin typeface="Arial"/>
-              <a:ea typeface="Arial"/>
-              <a:cs typeface="Arial"/>
               <a:sym typeface="Arial"/>
               <a:rtl val="0"/>
             </a:endParaRPr>
@@ -18155,7 +15395,7 @@
         <p:spPr>
           <a:xfrm>
             <a:off x="11424051" y="6159261"/>
-            <a:ext cx="20660886" cy="935227"/>
+            <a:ext cx="20664028" cy="935227"/>
           </a:xfrm>
           <a:prstGeom prst="rect">
             <a:avLst/>
@@ -18280,7 +15520,7 @@
       </p:sp>
       <p:pic>
         <p:nvPicPr>
-          <p:cNvPr id="144" name="Shape 133"/>
+          <p:cNvPr id="146" name="Shape 88"/>
           <p:cNvPicPr preferRelativeResize="0"/>
           <p:nvPr/>
         </p:nvPicPr>
@@ -18288,39 +15528,12 @@
           <a:blip r:embed="rId12">
             <a:alphaModFix/>
           </a:blip>
-          <a:srcRect t="4724"/>
-          <a:stretch/>
-        </p:blipFill>
-        <p:spPr>
-          <a:xfrm>
-            <a:off x="11191176" y="20544572"/>
-            <a:ext cx="11550688" cy="11996824"/>
-          </a:xfrm>
-          <a:prstGeom prst="rect">
-            <a:avLst/>
-          </a:prstGeom>
-          <a:noFill/>
-          <a:ln>
-            <a:noFill/>
-          </a:ln>
-        </p:spPr>
-      </p:pic>
-      <p:pic>
-        <p:nvPicPr>
-          <p:cNvPr id="146" name="Shape 88"/>
-          <p:cNvPicPr preferRelativeResize="0"/>
-          <p:nvPr/>
-        </p:nvPicPr>
-        <p:blipFill rotWithShape="1">
-          <a:blip r:embed="rId13">
-            <a:alphaModFix/>
-          </a:blip>
           <a:srcRect/>
           <a:stretch/>
         </p:blipFill>
         <p:spPr>
           <a:xfrm>
-            <a:off x="22091055" y="20819280"/>
+            <a:off x="10520251" y="21571428"/>
             <a:ext cx="9403445" cy="3694906"/>
           </a:xfrm>
           <a:prstGeom prst="rect">
@@ -18340,7 +15553,7 @@
         </p:nvSpPr>
         <p:spPr>
           <a:xfrm>
-            <a:off x="22436130" y="24772895"/>
+            <a:off x="11595747" y="21058587"/>
             <a:ext cx="9362831" cy="2123658"/>
           </a:xfrm>
           <a:prstGeom prst="rect">
@@ -18486,7 +15699,7 @@
           <p:nvPr/>
         </p:nvPicPr>
         <p:blipFill rotWithShape="1">
-          <a:blip r:embed="rId14"/>
+          <a:blip r:embed="rId13"/>
           <a:srcRect t="24190" r="6556" b="40704"/>
           <a:stretch/>
         </p:blipFill>
@@ -18536,7 +15749,7 @@
           <p:nvPr/>
         </p:nvPicPr>
         <p:blipFill rotWithShape="1">
-          <a:blip r:embed="rId15"/>
+          <a:blip r:embed="rId14"/>
           <a:srcRect l="18715"/>
           <a:stretch/>
         </p:blipFill>
@@ -18727,7 +15940,7 @@
           <p:nvPr/>
         </p:nvPicPr>
         <p:blipFill rotWithShape="1">
-          <a:blip r:embed="rId15"/>
+          <a:blip r:embed="rId14"/>
           <a:srcRect t="8034" r="81013" b="29176"/>
           <a:stretch/>
         </p:blipFill>
@@ -19271,7 +16484,7 @@
           <p:nvPr/>
         </p:nvPicPr>
         <p:blipFill rotWithShape="1">
-          <a:blip r:embed="rId16"/>
+          <a:blip r:embed="rId15"/>
           <a:srcRect l="351" t="3057"/>
           <a:stretch/>
         </p:blipFill>
@@ -19294,7 +16507,7 @@
           <p:nvPr/>
         </p:nvPicPr>
         <p:blipFill rotWithShape="1">
-          <a:blip r:embed="rId17"/>
+          <a:blip r:embed="rId16"/>
           <a:srcRect l="-1" t="36170" r="16347" b="-811"/>
           <a:stretch/>
         </p:blipFill>
@@ -19345,7 +16558,7 @@
           <p:nvPr/>
         </p:nvPicPr>
         <p:blipFill rotWithShape="1">
-          <a:blip r:embed="rId18">
+          <a:blip r:embed="rId17">
             <a:alphaModFix/>
           </a:blip>
           <a:srcRect l="51219" t="35156" b="33193"/>
@@ -19372,7 +16585,7 @@
           <p:nvPr/>
         </p:nvPicPr>
         <p:blipFill rotWithShape="1">
-          <a:blip r:embed="rId18">
+          <a:blip r:embed="rId17">
             <a:alphaModFix/>
           </a:blip>
           <a:srcRect t="68506" r="36449"/>
@@ -19399,7 +16612,7 @@
           <p:nvPr/>
         </p:nvPicPr>
         <p:blipFill rotWithShape="1">
-          <a:blip r:embed="rId18">
+          <a:blip r:embed="rId17">
             <a:alphaModFix/>
           </a:blip>
           <a:srcRect l="66784" t="68506"/>
@@ -19426,7 +16639,7 @@
           <p:nvPr/>
         </p:nvPicPr>
         <p:blipFill rotWithShape="1">
-          <a:blip r:embed="rId18">
+          <a:blip r:embed="rId17">
             <a:alphaModFix/>
           </a:blip>
           <a:srcRect t="35156" r="56613" b="33193"/>
@@ -19455,7 +16668,7 @@
           <p:nvPr/>
         </p:nvPicPr>
         <p:blipFill rotWithShape="1">
-          <a:blip r:embed="rId19"/>
+          <a:blip r:embed="rId18"/>
           <a:srcRect r="11035"/>
           <a:stretch/>
         </p:blipFill>
@@ -19565,7 +16778,7 @@
           <p:nvPr/>
         </p:nvPicPr>
         <p:blipFill>
-          <a:blip r:embed="rId20"/>
+          <a:blip r:embed="rId19"/>
           <a:stretch>
             <a:fillRect/>
           </a:stretch>
@@ -19733,8 +16946,8 @@
         </p:nvSpPr>
         <p:spPr>
           <a:xfrm>
-            <a:off x="17138103" y="27010349"/>
-            <a:ext cx="14356397" cy="4832092"/>
+            <a:off x="11617301" y="24224991"/>
+            <a:ext cx="9280111" cy="6863417"/>
           </a:xfrm>
           <a:prstGeom prst="rect">
             <a:avLst/>
@@ -20013,7 +17226,7 @@
           <p:nvPr/>
         </p:nvPicPr>
         <p:blipFill>
-          <a:blip r:embed="rId21"/>
+          <a:blip r:embed="rId20"/>
           <a:stretch>
             <a:fillRect/>
           </a:stretch>
@@ -20544,7 +17757,7 @@
           <p:nvPr/>
         </p:nvPicPr>
         <p:blipFill rotWithShape="1">
-          <a:blip r:embed="rId22"/>
+          <a:blip r:embed="rId21"/>
           <a:srcRect l="19671" t="8977" r="944" b="10451"/>
           <a:stretch/>
         </p:blipFill>
@@ -20599,8 +17812,8 @@
         </p:nvSpPr>
         <p:spPr>
           <a:xfrm>
-            <a:off x="33135212" y="13286989"/>
-            <a:ext cx="9695616" cy="1446550"/>
+            <a:off x="22163251" y="26706115"/>
+            <a:ext cx="9918560" cy="1446550"/>
           </a:xfrm>
           <a:prstGeom prst="rect">
             <a:avLst/>
@@ -20687,7 +17900,7 @@
           <p:nvPr/>
         </p:nvPicPr>
         <p:blipFill>
-          <a:blip r:embed="rId23"/>
+          <a:blip r:embed="rId22"/>
           <a:stretch>
             <a:fillRect/>
           </a:stretch>
@@ -21074,42 +18287,6 @@
           </a:p>
         </p:txBody>
       </p:sp>
-      <p:sp>
-        <p:nvSpPr>
-          <p:cNvPr id="90" name="TextBox 89"/>
-          <p:cNvSpPr txBox="1"/>
-          <p:nvPr/>
-        </p:nvSpPr>
-        <p:spPr>
-          <a:xfrm>
-            <a:off x="33159037" y="14657715"/>
-            <a:ext cx="9695616" cy="430887"/>
-          </a:xfrm>
-          <a:prstGeom prst="rect">
-            <a:avLst/>
-          </a:prstGeom>
-          <a:noFill/>
-        </p:spPr>
-        <p:txBody>
-          <a:bodyPr wrap="square" rtlCol="0">
-            <a:spAutoFit/>
-          </a:bodyPr>
-          <a:lstStyle/>
-          <a:p>
-            <a:pPr lvl="0">
-              <a:buClr>
-                <a:srgbClr val="000000"/>
-              </a:buClr>
-              <a:buSzPct val="25000"/>
-            </a:pPr>
-            <a:r>
-              <a:rPr lang="en-US" sz="2200" b="1" dirty="0" smtClean="0"/>
-              <a:t>Warnings Are Returned In Cases of Non-Fatal Improper Spreadsheets</a:t>
-            </a:r>
-            <a:endParaRPr lang="en-US" sz="2200" b="1" dirty="0"/>
-          </a:p>
-        </p:txBody>
-      </p:sp>
       <p:pic>
         <p:nvPicPr>
           <p:cNvPr id="25" name="Picture 24"/>
@@ -21119,14 +18296,14 @@
           <p:nvPr/>
         </p:nvPicPr>
         <p:blipFill>
-          <a:blip r:embed="rId24"/>
+          <a:blip r:embed="rId23"/>
           <a:stretch>
             <a:fillRect/>
           </a:stretch>
         </p:blipFill>
         <p:spPr>
           <a:xfrm>
-            <a:off x="37997961" y="15813032"/>
+            <a:off x="27468232" y="26537468"/>
             <a:ext cx="4727562" cy="2462056"/>
           </a:xfrm>
           <a:prstGeom prst="rect">
@@ -21142,8 +18319,8 @@
         </p:nvSpPr>
         <p:spPr>
           <a:xfrm>
-            <a:off x="33196755" y="14980424"/>
-            <a:ext cx="9517404" cy="1107996"/>
+            <a:off x="22166237" y="28106893"/>
+            <a:ext cx="9921842" cy="2123658"/>
           </a:xfrm>
           <a:prstGeom prst="rect">
             <a:avLst/>
@@ -21156,13 +18333,29 @@
           </a:bodyPr>
           <a:lstStyle/>
           <a:p>
+            <a:pPr lvl="0"/>
+            <a:r>
+              <a:rPr lang="en-US" sz="2200" b="1" dirty="0"/>
+              <a:t>Warnings Are Returned In Cases of Non-Fatal Improper </a:t>
+            </a:r>
+            <a:r>
+              <a:rPr lang="en-US" sz="2200" b="1" dirty="0" smtClean="0"/>
+              <a:t>Spreadsheets</a:t>
+            </a:r>
+            <a:endParaRPr lang="en-US" sz="2200" dirty="0" smtClean="0"/>
+          </a:p>
+          <a:p>
             <a:pPr marL="217488" indent="-217488">
               <a:buFont typeface="Arial"/>
               <a:buChar char="•"/>
             </a:pPr>
             <a:r>
+              <a:rPr lang="en-US" sz="2200" dirty="0" smtClean="0"/>
+              <a:t>In </a:t>
+            </a:r>
+            <a:r>
               <a:rPr lang="en-US" sz="2200" dirty="0"/>
-              <a:t>In cases where non-fatal errors exist in the format or data of an </a:t>
+              <a:t>cases where non-fatal errors exist in the format or data of an </a:t>
             </a:r>
             <a:r>
               <a:rPr lang="en-US" sz="2200" dirty="0" smtClean="0"/>
@@ -21176,30 +18369,7 @@
               <a:rPr lang="en-US" sz="2200" dirty="0" smtClean="0"/>
               <a:t>.</a:t>
             </a:r>
-            <a:endParaRPr lang="en-US" sz="2200" dirty="0"/>
-          </a:p>
-        </p:txBody>
-      </p:sp>
-      <p:sp>
-        <p:nvSpPr>
-          <p:cNvPr id="28" name="Rectangle 27"/>
-          <p:cNvSpPr/>
-          <p:nvPr/>
-        </p:nvSpPr>
-        <p:spPr>
-          <a:xfrm>
-            <a:off x="33196755" y="15974684"/>
-            <a:ext cx="4638199" cy="2462212"/>
-          </a:xfrm>
-          <a:prstGeom prst="rect">
-            <a:avLst/>
-          </a:prstGeom>
-        </p:spPr>
-        <p:txBody>
-          <a:bodyPr wrap="square">
-            <a:spAutoFit/>
-          </a:bodyPr>
-          <a:lstStyle/>
+          </a:p>
           <a:p>
             <a:pPr marL="217488" indent="-217488">
               <a:buFont typeface="Arial"/>
@@ -21207,11 +18377,7 @@
             </a:pPr>
             <a:r>
               <a:rPr lang="en-US" sz="2200" dirty="0"/>
-              <a:t>Warnings clearly state which row(s) or cell(s) may have incorrect data</a:t>
-            </a:r>
-            <a:r>
-              <a:rPr lang="en-US" sz="2200" dirty="0" smtClean="0"/>
-              <a:t>.</a:t>
+              <a:t>Warnings clearly state which row(s) or cell(s) may have incorrect data.</a:t>
             </a:r>
           </a:p>
           <a:p>
@@ -21220,10 +18386,9 @@
               <a:buChar char="•"/>
             </a:pPr>
             <a:r>
-              <a:rPr lang="en-US" sz="2200" dirty="0" smtClean="0"/>
+              <a:rPr lang="en-US" sz="2200" dirty="0"/>
               <a:t>The warning box can be closed and reopened at any time via a hyperlink underneath Force Graph Parameter sliders. </a:t>
             </a:r>
-            <a:endParaRPr lang="en-US" sz="2200" dirty="0"/>
           </a:p>
         </p:txBody>
       </p:sp>
@@ -21326,7 +18491,7 @@
           <p:nvPr/>
         </p:nvPicPr>
         <p:blipFill>
-          <a:blip r:embed="rId25"/>
+          <a:blip r:embed="rId24"/>
           <a:stretch>
             <a:fillRect/>
           </a:stretch>
@@ -21418,718 +18583,6 @@
           </a:p>
         </p:txBody>
       </p:sp>
-      <p:graphicFrame>
-        <p:nvGraphicFramePr>
-          <p:cNvPr id="89" name="Diagram 88"/>
-          <p:cNvGraphicFramePr/>
-          <p:nvPr>
-            <p:extLst>
-              <p:ext uri="{D42A27DB-BD31-4B8C-83A1-F6EECF244321}">
-                <p14:modId xmlns:p14="http://schemas.microsoft.com/office/powerpoint/2010/main" val="476330369"/>
-              </p:ext>
-            </p:extLst>
-          </p:nvPr>
-        </p:nvGraphicFramePr>
-        <p:xfrm>
-          <a:off x="37149926" y="10610627"/>
-          <a:ext cx="6463856" cy="2422815"/>
-        </p:xfrm>
-        <a:graphic>
-          <a:graphicData uri="http://schemas.openxmlformats.org/drawingml/2006/diagram">
-            <dgm:relIds xmlns:dgm="http://schemas.openxmlformats.org/drawingml/2006/diagram" xmlns:r="http://schemas.openxmlformats.org/officeDocument/2006/relationships" r:dm="rId26" r:lo="rId27" r:qs="rId28" r:cs="rId29"/>
-          </a:graphicData>
-        </a:graphic>
-      </p:graphicFrame>
-      <p:sp>
-        <p:nvSpPr>
-          <p:cNvPr id="91" name="TextBox 90"/>
-          <p:cNvSpPr txBox="1"/>
-          <p:nvPr/>
-        </p:nvSpPr>
-        <p:spPr>
-          <a:xfrm>
-            <a:off x="41151419" y="11549112"/>
-            <a:ext cx="962774" cy="307777"/>
-          </a:xfrm>
-          <a:prstGeom prst="rect">
-            <a:avLst/>
-          </a:prstGeom>
-          <a:noFill/>
-        </p:spPr>
-        <p:txBody>
-          <a:bodyPr wrap="none" rtlCol="0">
-            <a:spAutoFit/>
-          </a:bodyPr>
-          <a:lstStyle/>
-          <a:p>
-            <a:r>
-              <a:rPr lang="en-US" dirty="0" smtClean="0"/>
-              <a:t>Test Fails</a:t>
-            </a:r>
-            <a:endParaRPr lang="en-US" dirty="0"/>
-          </a:p>
-        </p:txBody>
-      </p:sp>
-      <p:sp>
-        <p:nvSpPr>
-          <p:cNvPr id="92" name="TextBox 91"/>
-          <p:cNvSpPr txBox="1"/>
-          <p:nvPr/>
-        </p:nvSpPr>
-        <p:spPr>
-          <a:xfrm>
-            <a:off x="39777911" y="13010801"/>
-            <a:ext cx="1172466" cy="307777"/>
-          </a:xfrm>
-          <a:prstGeom prst="rect">
-            <a:avLst/>
-          </a:prstGeom>
-          <a:noFill/>
-        </p:spPr>
-        <p:txBody>
-          <a:bodyPr wrap="none" rtlCol="0">
-            <a:spAutoFit/>
-          </a:bodyPr>
-          <a:lstStyle/>
-          <a:p>
-            <a:r>
-              <a:rPr lang="en-US" dirty="0" smtClean="0"/>
-              <a:t>Test Passes</a:t>
-            </a:r>
-            <a:endParaRPr lang="en-US" dirty="0"/>
-          </a:p>
-        </p:txBody>
-      </p:sp>
-      <p:sp>
-        <p:nvSpPr>
-          <p:cNvPr id="94" name="TextBox 93"/>
-          <p:cNvSpPr txBox="1"/>
-          <p:nvPr/>
-        </p:nvSpPr>
-        <p:spPr>
-          <a:xfrm>
-            <a:off x="38338070" y="11549112"/>
-            <a:ext cx="1172466" cy="307777"/>
-          </a:xfrm>
-          <a:prstGeom prst="rect">
-            <a:avLst/>
-          </a:prstGeom>
-          <a:noFill/>
-        </p:spPr>
-        <p:txBody>
-          <a:bodyPr wrap="none" rtlCol="0">
-            <a:spAutoFit/>
-          </a:bodyPr>
-          <a:lstStyle/>
-          <a:p>
-            <a:r>
-              <a:rPr lang="en-US" dirty="0" smtClean="0"/>
-              <a:t>Test Passes</a:t>
-            </a:r>
-            <a:endParaRPr lang="en-US" dirty="0"/>
-          </a:p>
-        </p:txBody>
-      </p:sp>
-      <p:graphicFrame>
-        <p:nvGraphicFramePr>
-          <p:cNvPr id="30" name="Table 29"/>
-          <p:cNvGraphicFramePr>
-            <a:graphicFrameLocks noGrp="1"/>
-          </p:cNvGraphicFramePr>
-          <p:nvPr>
-            <p:extLst>
-              <p:ext uri="{D42A27DB-BD31-4B8C-83A1-F6EECF244321}">
-                <p14:modId xmlns:p14="http://schemas.microsoft.com/office/powerpoint/2010/main" val="252126776"/>
-              </p:ext>
-            </p:extLst>
-          </p:nvPr>
-        </p:nvGraphicFramePr>
-        <p:xfrm>
-          <a:off x="33434889" y="10739224"/>
-          <a:ext cx="4400065" cy="2231891"/>
-        </p:xfrm>
-        <a:graphic>
-          <a:graphicData uri="http://schemas.openxmlformats.org/drawingml/2006/table">
-            <a:tbl>
-              <a:tblPr firstRow="1" bandRow="1">
-                <a:tableStyleId>{B6AFFA0F-1E04-4A8A-9273-D587D5D4E392}</a:tableStyleId>
-              </a:tblPr>
-              <a:tblGrid>
-                <a:gridCol w="1940868"/>
-                <a:gridCol w="2459197"/>
-              </a:tblGrid>
-              <a:tr h="470507">
-                <a:tc gridSpan="2">
-                  <a:txBody>
-                    <a:bodyPr/>
-                    <a:lstStyle/>
-                    <a:p>
-                      <a:pPr algn="ctr"/>
-                      <a:r>
-                        <a:rPr lang="en-US" sz="2000" b="1" smtClean="0">
-                          <a:latin typeface="Arial Unicode MS" panose="020B0604020202020204" pitchFamily="34" charset="-128"/>
-                          <a:ea typeface="Arial Unicode MS" panose="020B0604020202020204" pitchFamily="34" charset="-128"/>
-                          <a:cs typeface="Arial Unicode MS" panose="020B0604020202020204" pitchFamily="34" charset="-128"/>
-                        </a:rPr>
-                        <a:t>Test Coverage </a:t>
-                      </a:r>
-                      <a:r>
-                        <a:rPr lang="en-US" sz="2000" b="1" dirty="0" smtClean="0">
-                          <a:latin typeface="Arial Unicode MS" panose="020B0604020202020204" pitchFamily="34" charset="-128"/>
-                          <a:ea typeface="Arial Unicode MS" panose="020B0604020202020204" pitchFamily="34" charset="-128"/>
-                          <a:cs typeface="Arial Unicode MS" panose="020B0604020202020204" pitchFamily="34" charset="-128"/>
-                        </a:rPr>
-                        <a:t>Statistics</a:t>
-                      </a:r>
-                      <a:endParaRPr lang="en-US" sz="2000" b="1" dirty="0">
-                        <a:latin typeface="Arial Unicode MS" panose="020B0604020202020204" pitchFamily="34" charset="-128"/>
-                        <a:ea typeface="Arial Unicode MS" panose="020B0604020202020204" pitchFamily="34" charset="-128"/>
-                        <a:cs typeface="Arial Unicode MS" panose="020B0604020202020204" pitchFamily="34" charset="-128"/>
-                      </a:endParaRPr>
-                    </a:p>
-                  </a:txBody>
-                  <a:tcPr>
-                    <a:lnL w="12700" cap="flat" cmpd="sng" algn="ctr">
-                      <a:solidFill>
-                        <a:scrgbClr r="0" g="0" b="0"/>
-                      </a:solidFill>
-                      <a:prstDash val="solid"/>
-                      <a:round/>
-                      <a:headEnd type="none" w="med" len="med"/>
-                      <a:tailEnd type="none" w="med" len="med"/>
-                    </a:lnL>
-                    <a:lnR w="12700" cap="flat" cmpd="sng" algn="ctr">
-                      <a:solidFill>
-                        <a:scrgbClr r="0" g="0" b="0"/>
-                      </a:solidFill>
-                      <a:prstDash val="solid"/>
-                      <a:round/>
-                      <a:headEnd type="none" w="med" len="med"/>
-                      <a:tailEnd type="none" w="med" len="med"/>
-                    </a:lnR>
-                    <a:lnT w="12700" cap="flat" cmpd="sng" algn="ctr">
-                      <a:solidFill>
-                        <a:scrgbClr r="0" g="0" b="0"/>
-                      </a:solidFill>
-                      <a:prstDash val="solid"/>
-                      <a:round/>
-                      <a:headEnd type="none" w="med" len="med"/>
-                      <a:tailEnd type="none" w="med" len="med"/>
-                    </a:lnT>
-                    <a:lnB w="12700" cap="flat" cmpd="sng" algn="ctr">
-                      <a:solidFill>
-                        <a:scrgbClr r="0" g="0" b="0"/>
-                      </a:solidFill>
-                      <a:prstDash val="solid"/>
-                      <a:round/>
-                      <a:headEnd type="none" w="med" len="med"/>
-                      <a:tailEnd type="none" w="med" len="med"/>
-                    </a:lnB>
-                  </a:tcPr>
-                </a:tc>
-                <a:tc hMerge="1">
-                  <a:txBody>
-                    <a:bodyPr/>
-                    <a:lstStyle/>
-                    <a:p>
-                      <a:endParaRPr lang="en-US"/>
-                    </a:p>
-                  </a:txBody>
-                  <a:tcPr/>
-                </a:tc>
-              </a:tr>
-              <a:tr h="440346">
-                <a:tc>
-                  <a:txBody>
-                    <a:bodyPr/>
-                    <a:lstStyle/>
-                    <a:p>
-                      <a:r>
-                        <a:rPr lang="en-US" sz="1800" dirty="0" smtClean="0">
-                          <a:latin typeface="Arial Unicode MS" panose="020B0604020202020204" pitchFamily="34" charset="-128"/>
-                          <a:ea typeface="Arial Unicode MS" panose="020B0604020202020204" pitchFamily="34" charset="-128"/>
-                          <a:cs typeface="Arial Unicode MS" panose="020B0604020202020204" pitchFamily="34" charset="-128"/>
-                        </a:rPr>
-                        <a:t>Statements:</a:t>
-                      </a:r>
-                      <a:endParaRPr lang="en-US" sz="1800" dirty="0">
-                        <a:latin typeface="Arial Unicode MS" panose="020B0604020202020204" pitchFamily="34" charset="-128"/>
-                        <a:ea typeface="Arial Unicode MS" panose="020B0604020202020204" pitchFamily="34" charset="-128"/>
-                        <a:cs typeface="Arial Unicode MS" panose="020B0604020202020204" pitchFamily="34" charset="-128"/>
-                      </a:endParaRPr>
-                    </a:p>
-                  </a:txBody>
-                  <a:tcPr>
-                    <a:lnL w="12700" cap="flat" cmpd="sng" algn="ctr">
-                      <a:solidFill>
-                        <a:scrgbClr r="0" g="0" b="0"/>
-                      </a:solidFill>
-                      <a:prstDash val="solid"/>
-                      <a:round/>
-                      <a:headEnd type="none" w="med" len="med"/>
-                      <a:tailEnd type="none" w="med" len="med"/>
-                    </a:lnL>
-                    <a:lnR w="12700" cap="flat" cmpd="sng" algn="ctr">
-                      <a:solidFill>
-                        <a:scrgbClr r="0" g="0" b="0"/>
-                      </a:solidFill>
-                      <a:prstDash val="solid"/>
-                      <a:round/>
-                      <a:headEnd type="none" w="med" len="med"/>
-                      <a:tailEnd type="none" w="med" len="med"/>
-                    </a:lnR>
-                    <a:lnT w="12700" cap="flat" cmpd="sng" algn="ctr">
-                      <a:solidFill>
-                        <a:scrgbClr r="0" g="0" b="0"/>
-                      </a:solidFill>
-                      <a:prstDash val="solid"/>
-                      <a:round/>
-                      <a:headEnd type="none" w="med" len="med"/>
-                      <a:tailEnd type="none" w="med" len="med"/>
-                    </a:lnT>
-                    <a:lnB w="12700" cap="flat" cmpd="sng" algn="ctr">
-                      <a:solidFill>
-                        <a:scrgbClr r="0" g="0" b="0"/>
-                      </a:solidFill>
-                      <a:prstDash val="solid"/>
-                      <a:round/>
-                      <a:headEnd type="none" w="med" len="med"/>
-                      <a:tailEnd type="none" w="med" len="med"/>
-                    </a:lnB>
-                  </a:tcPr>
-                </a:tc>
-                <a:tc>
-                  <a:txBody>
-                    <a:bodyPr/>
-                    <a:lstStyle/>
-                    <a:p>
-                      <a:r>
-                        <a:rPr lang="en-US" sz="1800" dirty="0" smtClean="0">
-                          <a:latin typeface="Arial Unicode MS" panose="020B0604020202020204" pitchFamily="34" charset="-128"/>
-                          <a:ea typeface="Arial Unicode MS" panose="020B0604020202020204" pitchFamily="34" charset="-128"/>
-                          <a:cs typeface="Arial Unicode MS" panose="020B0604020202020204" pitchFamily="34" charset="-128"/>
-                        </a:rPr>
-                        <a:t>72% (124/172)</a:t>
-                      </a:r>
-                      <a:endParaRPr lang="en-US" sz="1800" dirty="0">
-                        <a:latin typeface="Arial Unicode MS" panose="020B0604020202020204" pitchFamily="34" charset="-128"/>
-                        <a:ea typeface="Arial Unicode MS" panose="020B0604020202020204" pitchFamily="34" charset="-128"/>
-                        <a:cs typeface="Arial Unicode MS" panose="020B0604020202020204" pitchFamily="34" charset="-128"/>
-                      </a:endParaRPr>
-                    </a:p>
-                  </a:txBody>
-                  <a:tcPr>
-                    <a:lnL w="12700" cap="flat" cmpd="sng" algn="ctr">
-                      <a:solidFill>
-                        <a:scrgbClr r="0" g="0" b="0"/>
-                      </a:solidFill>
-                      <a:prstDash val="solid"/>
-                      <a:round/>
-                      <a:headEnd type="none" w="med" len="med"/>
-                      <a:tailEnd type="none" w="med" len="med"/>
-                    </a:lnL>
-                    <a:lnR w="12700" cap="flat" cmpd="sng" algn="ctr">
-                      <a:solidFill>
-                        <a:scrgbClr r="0" g="0" b="0"/>
-                      </a:solidFill>
-                      <a:prstDash val="solid"/>
-                      <a:round/>
-                      <a:headEnd type="none" w="med" len="med"/>
-                      <a:tailEnd type="none" w="med" len="med"/>
-                    </a:lnR>
-                    <a:lnT w="12700" cap="flat" cmpd="sng" algn="ctr">
-                      <a:solidFill>
-                        <a:scrgbClr r="0" g="0" b="0"/>
-                      </a:solidFill>
-                      <a:prstDash val="solid"/>
-                      <a:round/>
-                      <a:headEnd type="none" w="med" len="med"/>
-                      <a:tailEnd type="none" w="med" len="med"/>
-                    </a:lnT>
-                    <a:lnB w="12700" cap="flat" cmpd="sng" algn="ctr">
-                      <a:solidFill>
-                        <a:scrgbClr r="0" g="0" b="0"/>
-                      </a:solidFill>
-                      <a:prstDash val="solid"/>
-                      <a:round/>
-                      <a:headEnd type="none" w="med" len="med"/>
-                      <a:tailEnd type="none" w="med" len="med"/>
-                    </a:lnB>
-                  </a:tcPr>
-                </a:tc>
-              </a:tr>
-              <a:tr h="440346">
-                <a:tc>
-                  <a:txBody>
-                    <a:bodyPr/>
-                    <a:lstStyle/>
-                    <a:p>
-                      <a:r>
-                        <a:rPr lang="en-US" sz="1800" dirty="0" smtClean="0">
-                          <a:latin typeface="Arial Unicode MS" panose="020B0604020202020204" pitchFamily="34" charset="-128"/>
-                          <a:ea typeface="Arial Unicode MS" panose="020B0604020202020204" pitchFamily="34" charset="-128"/>
-                          <a:cs typeface="Arial Unicode MS" panose="020B0604020202020204" pitchFamily="34" charset="-128"/>
-                        </a:rPr>
-                        <a:t>Branches:</a:t>
-                      </a:r>
-                      <a:endParaRPr lang="en-US" sz="1800" dirty="0">
-                        <a:latin typeface="Arial Unicode MS" panose="020B0604020202020204" pitchFamily="34" charset="-128"/>
-                        <a:ea typeface="Arial Unicode MS" panose="020B0604020202020204" pitchFamily="34" charset="-128"/>
-                        <a:cs typeface="Arial Unicode MS" panose="020B0604020202020204" pitchFamily="34" charset="-128"/>
-                      </a:endParaRPr>
-                    </a:p>
-                  </a:txBody>
-                  <a:tcPr>
-                    <a:lnL w="12700" cap="flat" cmpd="sng" algn="ctr">
-                      <a:solidFill>
-                        <a:scrgbClr r="0" g="0" b="0"/>
-                      </a:solidFill>
-                      <a:prstDash val="solid"/>
-                      <a:round/>
-                      <a:headEnd type="none" w="med" len="med"/>
-                      <a:tailEnd type="none" w="med" len="med"/>
-                    </a:lnL>
-                    <a:lnR w="12700" cap="flat" cmpd="sng" algn="ctr">
-                      <a:solidFill>
-                        <a:scrgbClr r="0" g="0" b="0"/>
-                      </a:solidFill>
-                      <a:prstDash val="solid"/>
-                      <a:round/>
-                      <a:headEnd type="none" w="med" len="med"/>
-                      <a:tailEnd type="none" w="med" len="med"/>
-                    </a:lnR>
-                    <a:lnT w="12700" cap="flat" cmpd="sng" algn="ctr">
-                      <a:solidFill>
-                        <a:scrgbClr r="0" g="0" b="0"/>
-                      </a:solidFill>
-                      <a:prstDash val="solid"/>
-                      <a:round/>
-                      <a:headEnd type="none" w="med" len="med"/>
-                      <a:tailEnd type="none" w="med" len="med"/>
-                    </a:lnT>
-                    <a:lnB w="12700" cap="flat" cmpd="sng" algn="ctr">
-                      <a:solidFill>
-                        <a:scrgbClr r="0" g="0" b="0"/>
-                      </a:solidFill>
-                      <a:prstDash val="solid"/>
-                      <a:round/>
-                      <a:headEnd type="none" w="med" len="med"/>
-                      <a:tailEnd type="none" w="med" len="med"/>
-                    </a:lnB>
-                  </a:tcPr>
-                </a:tc>
-                <a:tc>
-                  <a:txBody>
-                    <a:bodyPr/>
-                    <a:lstStyle/>
-                    <a:p>
-                      <a:r>
-                        <a:rPr lang="en-US" sz="1800" dirty="0" smtClean="0">
-                          <a:latin typeface="Arial Unicode MS" panose="020B0604020202020204" pitchFamily="34" charset="-128"/>
-                          <a:ea typeface="Arial Unicode MS" panose="020B0604020202020204" pitchFamily="34" charset="-128"/>
-                          <a:cs typeface="Arial Unicode MS" panose="020B0604020202020204" pitchFamily="34" charset="-128"/>
-                        </a:rPr>
-                        <a:t>86% (60/70)</a:t>
-                      </a:r>
-                      <a:endParaRPr lang="en-US" sz="1800" dirty="0">
-                        <a:latin typeface="Arial Unicode MS" panose="020B0604020202020204" pitchFamily="34" charset="-128"/>
-                        <a:ea typeface="Arial Unicode MS" panose="020B0604020202020204" pitchFamily="34" charset="-128"/>
-                        <a:cs typeface="Arial Unicode MS" panose="020B0604020202020204" pitchFamily="34" charset="-128"/>
-                      </a:endParaRPr>
-                    </a:p>
-                  </a:txBody>
-                  <a:tcPr>
-                    <a:lnL w="12700" cap="flat" cmpd="sng" algn="ctr">
-                      <a:solidFill>
-                        <a:scrgbClr r="0" g="0" b="0"/>
-                      </a:solidFill>
-                      <a:prstDash val="solid"/>
-                      <a:round/>
-                      <a:headEnd type="none" w="med" len="med"/>
-                      <a:tailEnd type="none" w="med" len="med"/>
-                    </a:lnL>
-                    <a:lnR w="12700" cap="flat" cmpd="sng" algn="ctr">
-                      <a:solidFill>
-                        <a:scrgbClr r="0" g="0" b="0"/>
-                      </a:solidFill>
-                      <a:prstDash val="solid"/>
-                      <a:round/>
-                      <a:headEnd type="none" w="med" len="med"/>
-                      <a:tailEnd type="none" w="med" len="med"/>
-                    </a:lnR>
-                    <a:lnT w="12700" cap="flat" cmpd="sng" algn="ctr">
-                      <a:solidFill>
-                        <a:scrgbClr r="0" g="0" b="0"/>
-                      </a:solidFill>
-                      <a:prstDash val="solid"/>
-                      <a:round/>
-                      <a:headEnd type="none" w="med" len="med"/>
-                      <a:tailEnd type="none" w="med" len="med"/>
-                    </a:lnT>
-                    <a:lnB w="12700" cap="flat" cmpd="sng" algn="ctr">
-                      <a:solidFill>
-                        <a:scrgbClr r="0" g="0" b="0"/>
-                      </a:solidFill>
-                      <a:prstDash val="solid"/>
-                      <a:round/>
-                      <a:headEnd type="none" w="med" len="med"/>
-                      <a:tailEnd type="none" w="med" len="med"/>
-                    </a:lnB>
-                  </a:tcPr>
-                </a:tc>
-              </a:tr>
-              <a:tr h="440346">
-                <a:tc>
-                  <a:txBody>
-                    <a:bodyPr/>
-                    <a:lstStyle/>
-                    <a:p>
-                      <a:r>
-                        <a:rPr lang="en-US" sz="1800" dirty="0" smtClean="0">
-                          <a:latin typeface="Arial Unicode MS" panose="020B0604020202020204" pitchFamily="34" charset="-128"/>
-                          <a:ea typeface="Arial Unicode MS" panose="020B0604020202020204" pitchFamily="34" charset="-128"/>
-                          <a:cs typeface="Arial Unicode MS" panose="020B0604020202020204" pitchFamily="34" charset="-128"/>
-                        </a:rPr>
-                        <a:t>Functions:</a:t>
-                      </a:r>
-                      <a:endParaRPr lang="en-US" sz="1800" dirty="0">
-                        <a:latin typeface="Arial Unicode MS" panose="020B0604020202020204" pitchFamily="34" charset="-128"/>
-                        <a:ea typeface="Arial Unicode MS" panose="020B0604020202020204" pitchFamily="34" charset="-128"/>
-                        <a:cs typeface="Arial Unicode MS" panose="020B0604020202020204" pitchFamily="34" charset="-128"/>
-                      </a:endParaRPr>
-                    </a:p>
-                  </a:txBody>
-                  <a:tcPr>
-                    <a:lnL w="12700" cap="flat" cmpd="sng" algn="ctr">
-                      <a:solidFill>
-                        <a:scrgbClr r="0" g="0" b="0"/>
-                      </a:solidFill>
-                      <a:prstDash val="solid"/>
-                      <a:round/>
-                      <a:headEnd type="none" w="med" len="med"/>
-                      <a:tailEnd type="none" w="med" len="med"/>
-                    </a:lnL>
-                    <a:lnR w="12700" cap="flat" cmpd="sng" algn="ctr">
-                      <a:solidFill>
-                        <a:scrgbClr r="0" g="0" b="0"/>
-                      </a:solidFill>
-                      <a:prstDash val="solid"/>
-                      <a:round/>
-                      <a:headEnd type="none" w="med" len="med"/>
-                      <a:tailEnd type="none" w="med" len="med"/>
-                    </a:lnR>
-                    <a:lnT w="12700" cap="flat" cmpd="sng" algn="ctr">
-                      <a:solidFill>
-                        <a:scrgbClr r="0" g="0" b="0"/>
-                      </a:solidFill>
-                      <a:prstDash val="solid"/>
-                      <a:round/>
-                      <a:headEnd type="none" w="med" len="med"/>
-                      <a:tailEnd type="none" w="med" len="med"/>
-                    </a:lnT>
-                    <a:lnB w="12700" cap="flat" cmpd="sng" algn="ctr">
-                      <a:solidFill>
-                        <a:scrgbClr r="0" g="0" b="0"/>
-                      </a:solidFill>
-                      <a:prstDash val="solid"/>
-                      <a:round/>
-                      <a:headEnd type="none" w="med" len="med"/>
-                      <a:tailEnd type="none" w="med" len="med"/>
-                    </a:lnB>
-                  </a:tcPr>
-                </a:tc>
-                <a:tc>
-                  <a:txBody>
-                    <a:bodyPr/>
-                    <a:lstStyle/>
-                    <a:p>
-                      <a:r>
-                        <a:rPr lang="en-US" sz="1800" dirty="0" smtClean="0">
-                          <a:latin typeface="Arial Unicode MS" panose="020B0604020202020204" pitchFamily="34" charset="-128"/>
-                          <a:ea typeface="Arial Unicode MS" panose="020B0604020202020204" pitchFamily="34" charset="-128"/>
-                          <a:cs typeface="Arial Unicode MS" panose="020B0604020202020204" pitchFamily="34" charset="-128"/>
-                        </a:rPr>
-                        <a:t>64%</a:t>
-                      </a:r>
-                      <a:r>
-                        <a:rPr lang="en-US" sz="1800" baseline="0" dirty="0" smtClean="0">
-                          <a:latin typeface="Arial Unicode MS" panose="020B0604020202020204" pitchFamily="34" charset="-128"/>
-                          <a:ea typeface="Arial Unicode MS" panose="020B0604020202020204" pitchFamily="34" charset="-128"/>
-                          <a:cs typeface="Arial Unicode MS" panose="020B0604020202020204" pitchFamily="34" charset="-128"/>
-                        </a:rPr>
-                        <a:t> (18/28)</a:t>
-                      </a:r>
-                      <a:endParaRPr lang="en-US" sz="1800" dirty="0">
-                        <a:latin typeface="Arial Unicode MS" panose="020B0604020202020204" pitchFamily="34" charset="-128"/>
-                        <a:ea typeface="Arial Unicode MS" panose="020B0604020202020204" pitchFamily="34" charset="-128"/>
-                        <a:cs typeface="Arial Unicode MS" panose="020B0604020202020204" pitchFamily="34" charset="-128"/>
-                      </a:endParaRPr>
-                    </a:p>
-                  </a:txBody>
-                  <a:tcPr>
-                    <a:lnL w="12700" cap="flat" cmpd="sng" algn="ctr">
-                      <a:solidFill>
-                        <a:scrgbClr r="0" g="0" b="0"/>
-                      </a:solidFill>
-                      <a:prstDash val="solid"/>
-                      <a:round/>
-                      <a:headEnd type="none" w="med" len="med"/>
-                      <a:tailEnd type="none" w="med" len="med"/>
-                    </a:lnL>
-                    <a:lnR w="12700" cap="flat" cmpd="sng" algn="ctr">
-                      <a:solidFill>
-                        <a:scrgbClr r="0" g="0" b="0"/>
-                      </a:solidFill>
-                      <a:prstDash val="solid"/>
-                      <a:round/>
-                      <a:headEnd type="none" w="med" len="med"/>
-                      <a:tailEnd type="none" w="med" len="med"/>
-                    </a:lnR>
-                    <a:lnT w="12700" cap="flat" cmpd="sng" algn="ctr">
-                      <a:solidFill>
-                        <a:scrgbClr r="0" g="0" b="0"/>
-                      </a:solidFill>
-                      <a:prstDash val="solid"/>
-                      <a:round/>
-                      <a:headEnd type="none" w="med" len="med"/>
-                      <a:tailEnd type="none" w="med" len="med"/>
-                    </a:lnT>
-                    <a:lnB w="12700" cap="flat" cmpd="sng" algn="ctr">
-                      <a:solidFill>
-                        <a:scrgbClr r="0" g="0" b="0"/>
-                      </a:solidFill>
-                      <a:prstDash val="solid"/>
-                      <a:round/>
-                      <a:headEnd type="none" w="med" len="med"/>
-                      <a:tailEnd type="none" w="med" len="med"/>
-                    </a:lnB>
-                  </a:tcPr>
-                </a:tc>
-              </a:tr>
-              <a:tr h="440346">
-                <a:tc>
-                  <a:txBody>
-                    <a:bodyPr/>
-                    <a:lstStyle/>
-                    <a:p>
-                      <a:r>
-                        <a:rPr lang="en-US" sz="1800" dirty="0" smtClean="0">
-                          <a:latin typeface="Arial Unicode MS" panose="020B0604020202020204" pitchFamily="34" charset="-128"/>
-                          <a:ea typeface="Arial Unicode MS" panose="020B0604020202020204" pitchFamily="34" charset="-128"/>
-                          <a:cs typeface="Arial Unicode MS" panose="020B0604020202020204" pitchFamily="34" charset="-128"/>
-                        </a:rPr>
-                        <a:t>Lines:</a:t>
-                      </a:r>
-                      <a:endParaRPr lang="en-US" sz="1800" dirty="0">
-                        <a:latin typeface="Arial Unicode MS" panose="020B0604020202020204" pitchFamily="34" charset="-128"/>
-                        <a:ea typeface="Arial Unicode MS" panose="020B0604020202020204" pitchFamily="34" charset="-128"/>
-                        <a:cs typeface="Arial Unicode MS" panose="020B0604020202020204" pitchFamily="34" charset="-128"/>
-                      </a:endParaRPr>
-                    </a:p>
-                  </a:txBody>
-                  <a:tcPr>
-                    <a:lnL w="12700" cap="flat" cmpd="sng" algn="ctr">
-                      <a:solidFill>
-                        <a:scrgbClr r="0" g="0" b="0"/>
-                      </a:solidFill>
-                      <a:prstDash val="solid"/>
-                      <a:round/>
-                      <a:headEnd type="none" w="med" len="med"/>
-                      <a:tailEnd type="none" w="med" len="med"/>
-                    </a:lnL>
-                    <a:lnR w="12700" cap="flat" cmpd="sng" algn="ctr">
-                      <a:solidFill>
-                        <a:scrgbClr r="0" g="0" b="0"/>
-                      </a:solidFill>
-                      <a:prstDash val="solid"/>
-                      <a:round/>
-                      <a:headEnd type="none" w="med" len="med"/>
-                      <a:tailEnd type="none" w="med" len="med"/>
-                    </a:lnR>
-                    <a:lnT w="12700" cap="flat" cmpd="sng" algn="ctr">
-                      <a:solidFill>
-                        <a:scrgbClr r="0" g="0" b="0"/>
-                      </a:solidFill>
-                      <a:prstDash val="solid"/>
-                      <a:round/>
-                      <a:headEnd type="none" w="med" len="med"/>
-                      <a:tailEnd type="none" w="med" len="med"/>
-                    </a:lnT>
-                    <a:lnB w="12700" cap="flat" cmpd="sng" algn="ctr">
-                      <a:solidFill>
-                        <a:scrgbClr r="0" g="0" b="0"/>
-                      </a:solidFill>
-                      <a:prstDash val="solid"/>
-                      <a:round/>
-                      <a:headEnd type="none" w="med" len="med"/>
-                      <a:tailEnd type="none" w="med" len="med"/>
-                    </a:lnB>
-                  </a:tcPr>
-                </a:tc>
-                <a:tc>
-                  <a:txBody>
-                    <a:bodyPr/>
-                    <a:lstStyle/>
-                    <a:p>
-                      <a:r>
-                        <a:rPr lang="en-US" sz="1800" dirty="0" smtClean="0">
-                          <a:latin typeface="Arial Unicode MS" panose="020B0604020202020204" pitchFamily="34" charset="-128"/>
-                          <a:ea typeface="Arial Unicode MS" panose="020B0604020202020204" pitchFamily="34" charset="-128"/>
-                          <a:cs typeface="Arial Unicode MS" panose="020B0604020202020204" pitchFamily="34" charset="-128"/>
-                        </a:rPr>
-                        <a:t>73% (124/171)</a:t>
-                      </a:r>
-                      <a:endParaRPr lang="en-US" sz="1800" dirty="0">
-                        <a:latin typeface="Arial Unicode MS" panose="020B0604020202020204" pitchFamily="34" charset="-128"/>
-                        <a:ea typeface="Arial Unicode MS" panose="020B0604020202020204" pitchFamily="34" charset="-128"/>
-                        <a:cs typeface="Arial Unicode MS" panose="020B0604020202020204" pitchFamily="34" charset="-128"/>
-                      </a:endParaRPr>
-                    </a:p>
-                  </a:txBody>
-                  <a:tcPr>
-                    <a:lnL w="12700" cap="flat" cmpd="sng" algn="ctr">
-                      <a:solidFill>
-                        <a:scrgbClr r="0" g="0" b="0"/>
-                      </a:solidFill>
-                      <a:prstDash val="solid"/>
-                      <a:round/>
-                      <a:headEnd type="none" w="med" len="med"/>
-                      <a:tailEnd type="none" w="med" len="med"/>
-                    </a:lnL>
-                    <a:lnR w="12700" cap="flat" cmpd="sng" algn="ctr">
-                      <a:solidFill>
-                        <a:scrgbClr r="0" g="0" b="0"/>
-                      </a:solidFill>
-                      <a:prstDash val="solid"/>
-                      <a:round/>
-                      <a:headEnd type="none" w="med" len="med"/>
-                      <a:tailEnd type="none" w="med" len="med"/>
-                    </a:lnR>
-                    <a:lnT w="12700" cap="flat" cmpd="sng" algn="ctr">
-                      <a:solidFill>
-                        <a:scrgbClr r="0" g="0" b="0"/>
-                      </a:solidFill>
-                      <a:prstDash val="solid"/>
-                      <a:round/>
-                      <a:headEnd type="none" w="med" len="med"/>
-                      <a:tailEnd type="none" w="med" len="med"/>
-                    </a:lnT>
-                    <a:lnB w="12700" cap="flat" cmpd="sng" algn="ctr">
-                      <a:solidFill>
-                        <a:scrgbClr r="0" g="0" b="0"/>
-                      </a:solidFill>
-                      <a:prstDash val="solid"/>
-                      <a:round/>
-                      <a:headEnd type="none" w="med" len="med"/>
-                      <a:tailEnd type="none" w="med" len="med"/>
-                    </a:lnB>
-                  </a:tcPr>
-                </a:tc>
-              </a:tr>
-            </a:tbl>
-          </a:graphicData>
-        </a:graphic>
-      </p:graphicFrame>
       <p:sp>
         <p:nvSpPr>
           <p:cNvPr id="73" name="Shape 105"/>
@@ -22192,6 +18645,668 @@
           </a:p>
         </p:txBody>
       </p:sp>
+      <p:sp>
+        <p:nvSpPr>
+          <p:cNvPr id="95" name="Shape 108"/>
+          <p:cNvSpPr/>
+          <p:nvPr/>
+        </p:nvSpPr>
+        <p:spPr>
+          <a:xfrm>
+            <a:off x="33125972" y="6159261"/>
+            <a:ext cx="9903302" cy="935205"/>
+          </a:xfrm>
+          <a:prstGeom prst="rect">
+            <a:avLst/>
+          </a:prstGeom>
+          <a:solidFill>
+            <a:schemeClr val="lt1">
+              <a:alpha val="69019"/>
+            </a:schemeClr>
+          </a:solidFill>
+          <a:ln>
+            <a:noFill/>
+          </a:ln>
+        </p:spPr>
+        <p:txBody>
+          <a:bodyPr lIns="91425" tIns="45700" rIns="91425" bIns="45700" anchor="ctr" anchorCtr="0">
+            <a:noAutofit/>
+          </a:bodyPr>
+          <a:lstStyle/>
+          <a:p>
+            <a:pPr marL="0" marR="0" lvl="0" indent="0" algn="ctr" rtl="0">
+              <a:lnSpc>
+                <a:spcPct val="100000"/>
+              </a:lnSpc>
+              <a:spcBef>
+                <a:spcPts val="0"/>
+              </a:spcBef>
+              <a:spcAft>
+                <a:spcPts val="0"/>
+              </a:spcAft>
+              <a:buClr>
+                <a:srgbClr val="017C00"/>
+              </a:buClr>
+              <a:buSzPct val="25000"/>
+              <a:buFont typeface="Arial"/>
+              <a:buNone/>
+            </a:pPr>
+            <a:r>
+              <a:rPr lang="en-US" sz="3600" b="0" i="0" u="none" strike="noStrike" cap="none" baseline="0" dirty="0" smtClean="0">
+                <a:solidFill>
+                  <a:srgbClr val="017C00"/>
+                </a:solidFill>
+                <a:latin typeface="Arial"/>
+                <a:ea typeface="Arial"/>
+                <a:cs typeface="Arial"/>
+                <a:sym typeface="Arial"/>
+                <a:rtl val="0"/>
+              </a:rPr>
+              <a:t>Implemented Mocha Unit Testing </a:t>
+            </a:r>
+            <a:r>
+              <a:rPr lang="en-US" sz="3600" b="0" i="0" u="none" strike="noStrike" cap="none" baseline="0" dirty="0" smtClean="0">
+                <a:solidFill>
+                  <a:srgbClr val="017C00"/>
+                </a:solidFill>
+                <a:latin typeface="Arial"/>
+                <a:ea typeface="Arial"/>
+                <a:cs typeface="Arial"/>
+                <a:sym typeface="Arial"/>
+                <a:rtl val="0"/>
+              </a:rPr>
+              <a:t>Framework</a:t>
+            </a:r>
+            <a:endParaRPr lang="en-US" sz="3600" b="0" i="0" u="none" strike="noStrike" cap="none" baseline="0" dirty="0">
+              <a:solidFill>
+                <a:srgbClr val="017C00"/>
+              </a:solidFill>
+              <a:latin typeface="Arial"/>
+              <a:ea typeface="Arial"/>
+              <a:cs typeface="Arial"/>
+              <a:sym typeface="Arial"/>
+              <a:rtl val="0"/>
+            </a:endParaRPr>
+          </a:p>
+        </p:txBody>
+      </p:sp>
+      <p:sp>
+        <p:nvSpPr>
+          <p:cNvPr id="96" name="Shape 109"/>
+          <p:cNvSpPr/>
+          <p:nvPr/>
+        </p:nvSpPr>
+        <p:spPr>
+          <a:xfrm>
+            <a:off x="33108402" y="7094466"/>
+            <a:ext cx="9920872" cy="11317258"/>
+          </a:xfrm>
+          <a:prstGeom prst="rect">
+            <a:avLst/>
+          </a:prstGeom>
+          <a:solidFill>
+            <a:srgbClr val="FFFFFF"/>
+          </a:solidFill>
+          <a:ln>
+            <a:noFill/>
+          </a:ln>
+        </p:spPr>
+        <p:txBody>
+          <a:bodyPr lIns="91425" tIns="91425" rIns="91425" bIns="91425" anchor="t" anchorCtr="0">
+            <a:noAutofit/>
+          </a:bodyPr>
+          <a:lstStyle/>
+          <a:p>
+            <a:pPr lvl="0">
+              <a:buClr>
+                <a:srgbClr val="000000"/>
+              </a:buClr>
+              <a:buSzPct val="25000"/>
+            </a:pPr>
+            <a:endParaRPr lang="en-US" sz="2200" dirty="0" smtClean="0"/>
+          </a:p>
+        </p:txBody>
+      </p:sp>
+      <p:sp>
+        <p:nvSpPr>
+          <p:cNvPr id="27" name="Rounded Rectangle 26"/>
+          <p:cNvSpPr/>
+          <p:nvPr/>
+        </p:nvSpPr>
+        <p:spPr>
+          <a:xfrm>
+            <a:off x="23578894" y="24335774"/>
+            <a:ext cx="1322435" cy="457200"/>
+          </a:xfrm>
+          <a:prstGeom prst="roundRect">
+            <a:avLst/>
+          </a:prstGeom>
+          <a:solidFill>
+            <a:schemeClr val="accent1">
+              <a:lumMod val="60000"/>
+              <a:lumOff val="40000"/>
+            </a:schemeClr>
+          </a:solidFill>
+          <a:ln>
+            <a:noFill/>
+          </a:ln>
+        </p:spPr>
+        <p:style>
+          <a:lnRef idx="2">
+            <a:schemeClr val="accent1">
+              <a:shade val="50000"/>
+            </a:schemeClr>
+          </a:lnRef>
+          <a:fillRef idx="1">
+            <a:schemeClr val="accent1"/>
+          </a:fillRef>
+          <a:effectRef idx="0">
+            <a:schemeClr val="accent1"/>
+          </a:effectRef>
+          <a:fontRef idx="minor">
+            <a:schemeClr val="lt1"/>
+          </a:fontRef>
+        </p:style>
+        <p:txBody>
+          <a:bodyPr rtlCol="0" anchor="ctr"/>
+          <a:lstStyle/>
+          <a:p>
+            <a:pPr algn="ctr"/>
+            <a:r>
+              <a:rPr lang="en-US" dirty="0" smtClean="0"/>
+              <a:t>Import</a:t>
+            </a:r>
+            <a:endParaRPr lang="en-US" dirty="0"/>
+          </a:p>
+        </p:txBody>
+      </p:sp>
+      <p:sp>
+        <p:nvSpPr>
+          <p:cNvPr id="97" name="Rounded Rectangle 96"/>
+          <p:cNvSpPr/>
+          <p:nvPr/>
+        </p:nvSpPr>
+        <p:spPr>
+          <a:xfrm>
+            <a:off x="25401284" y="24335774"/>
+            <a:ext cx="1322435" cy="457200"/>
+          </a:xfrm>
+          <a:prstGeom prst="roundRect">
+            <a:avLst/>
+          </a:prstGeom>
+          <a:solidFill>
+            <a:schemeClr val="accent1">
+              <a:lumMod val="60000"/>
+              <a:lumOff val="40000"/>
+            </a:schemeClr>
+          </a:solidFill>
+          <a:ln>
+            <a:noFill/>
+          </a:ln>
+        </p:spPr>
+        <p:style>
+          <a:lnRef idx="2">
+            <a:schemeClr val="accent1">
+              <a:shade val="50000"/>
+            </a:schemeClr>
+          </a:lnRef>
+          <a:fillRef idx="1">
+            <a:schemeClr val="accent1"/>
+          </a:fillRef>
+          <a:effectRef idx="0">
+            <a:schemeClr val="accent1"/>
+          </a:effectRef>
+          <a:fontRef idx="minor">
+            <a:schemeClr val="lt1"/>
+          </a:fontRef>
+        </p:style>
+        <p:txBody>
+          <a:bodyPr rtlCol="0" anchor="ctr"/>
+          <a:lstStyle/>
+          <a:p>
+            <a:pPr algn="ctr"/>
+            <a:r>
+              <a:rPr lang="en-US" dirty="0" smtClean="0"/>
+              <a:t>Semantic Checker</a:t>
+            </a:r>
+            <a:endParaRPr lang="en-US" dirty="0"/>
+          </a:p>
+        </p:txBody>
+      </p:sp>
+      <p:sp>
+        <p:nvSpPr>
+          <p:cNvPr id="98" name="Rounded Rectangle 97"/>
+          <p:cNvSpPr/>
+          <p:nvPr/>
+        </p:nvSpPr>
+        <p:spPr>
+          <a:xfrm>
+            <a:off x="27223672" y="24339074"/>
+            <a:ext cx="1322435" cy="457200"/>
+          </a:xfrm>
+          <a:prstGeom prst="roundRect">
+            <a:avLst/>
+          </a:prstGeom>
+          <a:solidFill>
+            <a:schemeClr val="accent4">
+              <a:lumMod val="60000"/>
+              <a:lumOff val="40000"/>
+            </a:schemeClr>
+          </a:solidFill>
+          <a:ln>
+            <a:noFill/>
+          </a:ln>
+        </p:spPr>
+        <p:style>
+          <a:lnRef idx="2">
+            <a:schemeClr val="accent1">
+              <a:shade val="50000"/>
+            </a:schemeClr>
+          </a:lnRef>
+          <a:fillRef idx="1">
+            <a:schemeClr val="accent1"/>
+          </a:fillRef>
+          <a:effectRef idx="0">
+            <a:schemeClr val="accent1"/>
+          </a:effectRef>
+          <a:fontRef idx="minor">
+            <a:schemeClr val="lt1"/>
+          </a:fontRef>
+        </p:style>
+        <p:txBody>
+          <a:bodyPr rtlCol="0" anchor="ctr"/>
+          <a:lstStyle/>
+          <a:p>
+            <a:pPr algn="ctr"/>
+            <a:r>
+              <a:rPr lang="en-US" dirty="0" smtClean="0"/>
+              <a:t>SIF Syntax </a:t>
+            </a:r>
+            <a:r>
+              <a:rPr lang="en-US" dirty="0"/>
+              <a:t>Checker</a:t>
+            </a:r>
+            <a:endParaRPr lang="en-US" dirty="0"/>
+          </a:p>
+        </p:txBody>
+      </p:sp>
+      <p:sp>
+        <p:nvSpPr>
+          <p:cNvPr id="99" name="Rounded Rectangle 98"/>
+          <p:cNvSpPr/>
+          <p:nvPr/>
+        </p:nvSpPr>
+        <p:spPr>
+          <a:xfrm>
+            <a:off x="27223672" y="23776553"/>
+            <a:ext cx="1322435" cy="457200"/>
+          </a:xfrm>
+          <a:prstGeom prst="roundRect">
+            <a:avLst/>
+          </a:prstGeom>
+          <a:solidFill>
+            <a:schemeClr val="accent6">
+              <a:lumMod val="60000"/>
+              <a:lumOff val="40000"/>
+            </a:schemeClr>
+          </a:solidFill>
+          <a:ln>
+            <a:noFill/>
+          </a:ln>
+        </p:spPr>
+        <p:style>
+          <a:lnRef idx="2">
+            <a:schemeClr val="accent1">
+              <a:shade val="50000"/>
+            </a:schemeClr>
+          </a:lnRef>
+          <a:fillRef idx="1">
+            <a:schemeClr val="accent1"/>
+          </a:fillRef>
+          <a:effectRef idx="0">
+            <a:schemeClr val="accent1"/>
+          </a:effectRef>
+          <a:fontRef idx="minor">
+            <a:schemeClr val="lt1"/>
+          </a:fontRef>
+        </p:style>
+        <p:txBody>
+          <a:bodyPr rtlCol="0" anchor="ctr"/>
+          <a:lstStyle/>
+          <a:p>
+            <a:pPr algn="ctr"/>
+            <a:r>
+              <a:rPr lang="en-US" dirty="0" smtClean="0"/>
+              <a:t>Excel Syntax Check</a:t>
+            </a:r>
+            <a:endParaRPr lang="en-US" dirty="0"/>
+          </a:p>
+        </p:txBody>
+      </p:sp>
+      <p:sp>
+        <p:nvSpPr>
+          <p:cNvPr id="100" name="Rounded Rectangle 99"/>
+          <p:cNvSpPr/>
+          <p:nvPr/>
+        </p:nvSpPr>
+        <p:spPr>
+          <a:xfrm>
+            <a:off x="27223672" y="24901895"/>
+            <a:ext cx="1322435" cy="457200"/>
+          </a:xfrm>
+          <a:prstGeom prst="roundRect">
+            <a:avLst/>
+          </a:prstGeom>
+          <a:solidFill>
+            <a:schemeClr val="accent5">
+              <a:lumMod val="60000"/>
+              <a:lumOff val="40000"/>
+            </a:schemeClr>
+          </a:solidFill>
+          <a:ln>
+            <a:noFill/>
+          </a:ln>
+        </p:spPr>
+        <p:style>
+          <a:lnRef idx="2">
+            <a:schemeClr val="accent1">
+              <a:shade val="50000"/>
+            </a:schemeClr>
+          </a:lnRef>
+          <a:fillRef idx="1">
+            <a:schemeClr val="accent1"/>
+          </a:fillRef>
+          <a:effectRef idx="0">
+            <a:schemeClr val="accent1"/>
+          </a:effectRef>
+          <a:fontRef idx="minor">
+            <a:schemeClr val="lt1"/>
+          </a:fontRef>
+        </p:style>
+        <p:txBody>
+          <a:bodyPr rtlCol="0" anchor="ctr"/>
+          <a:lstStyle/>
+          <a:p>
+            <a:pPr algn="ctr"/>
+            <a:r>
+              <a:rPr lang="en-US" sz="1200" dirty="0" err="1" smtClean="0"/>
+              <a:t>GraphML</a:t>
+            </a:r>
+            <a:r>
+              <a:rPr lang="en-US" sz="1200" dirty="0" smtClean="0"/>
+              <a:t> Syntax </a:t>
+            </a:r>
+            <a:r>
+              <a:rPr lang="en-US" sz="1200" dirty="0"/>
+              <a:t>Checker</a:t>
+            </a:r>
+            <a:endParaRPr lang="en-US" sz="1200" dirty="0"/>
+          </a:p>
+        </p:txBody>
+      </p:sp>
+      <p:sp>
+        <p:nvSpPr>
+          <p:cNvPr id="101" name="Rounded Rectangle 100"/>
+          <p:cNvSpPr/>
+          <p:nvPr/>
+        </p:nvSpPr>
+        <p:spPr>
+          <a:xfrm>
+            <a:off x="29057427" y="24335774"/>
+            <a:ext cx="1322435" cy="457200"/>
+          </a:xfrm>
+          <a:prstGeom prst="roundRect">
+            <a:avLst/>
+          </a:prstGeom>
+          <a:solidFill>
+            <a:schemeClr val="accent1">
+              <a:lumMod val="60000"/>
+              <a:lumOff val="40000"/>
+            </a:schemeClr>
+          </a:solidFill>
+          <a:ln>
+            <a:noFill/>
+          </a:ln>
+        </p:spPr>
+        <p:style>
+          <a:lnRef idx="2">
+            <a:schemeClr val="accent1">
+              <a:shade val="50000"/>
+            </a:schemeClr>
+          </a:lnRef>
+          <a:fillRef idx="1">
+            <a:schemeClr val="accent1"/>
+          </a:fillRef>
+          <a:effectRef idx="0">
+            <a:schemeClr val="accent1"/>
+          </a:effectRef>
+          <a:fontRef idx="minor">
+            <a:schemeClr val="lt1"/>
+          </a:fontRef>
+        </p:style>
+        <p:txBody>
+          <a:bodyPr rtlCol="0" anchor="ctr"/>
+          <a:lstStyle/>
+          <a:p>
+            <a:pPr algn="ctr"/>
+            <a:r>
+              <a:rPr lang="en-US" dirty="0" err="1" smtClean="0"/>
+              <a:t>GRNsight</a:t>
+            </a:r>
+            <a:endParaRPr lang="en-US" dirty="0"/>
+          </a:p>
+        </p:txBody>
+      </p:sp>
+      <p:cxnSp>
+        <p:nvCxnSpPr>
+          <p:cNvPr id="33" name="Straight Arrow Connector 32"/>
+          <p:cNvCxnSpPr>
+            <a:stCxn id="27" idx="3"/>
+            <a:endCxn id="97" idx="1"/>
+          </p:cNvCxnSpPr>
+          <p:nvPr/>
+        </p:nvCxnSpPr>
+        <p:spPr>
+          <a:xfrm>
+            <a:off x="24901329" y="24564374"/>
+            <a:ext cx="499955" cy="0"/>
+          </a:xfrm>
+          <a:prstGeom prst="straightConnector1">
+            <a:avLst/>
+          </a:prstGeom>
+          <a:ln w="50800">
+            <a:solidFill>
+              <a:schemeClr val="tx1">
+                <a:lumMod val="50000"/>
+                <a:lumOff val="50000"/>
+              </a:schemeClr>
+            </a:solidFill>
+            <a:tailEnd type="triangle"/>
+          </a:ln>
+        </p:spPr>
+        <p:style>
+          <a:lnRef idx="1">
+            <a:schemeClr val="accent1"/>
+          </a:lnRef>
+          <a:fillRef idx="0">
+            <a:schemeClr val="accent1"/>
+          </a:fillRef>
+          <a:effectRef idx="0">
+            <a:schemeClr val="accent1"/>
+          </a:effectRef>
+          <a:fontRef idx="minor">
+            <a:schemeClr val="tx1"/>
+          </a:fontRef>
+        </p:style>
+      </p:cxnSp>
+      <p:cxnSp>
+        <p:nvCxnSpPr>
+          <p:cNvPr id="105" name="Straight Arrow Connector 104"/>
+          <p:cNvCxnSpPr>
+            <a:stCxn id="97" idx="3"/>
+            <a:endCxn id="98" idx="1"/>
+          </p:cNvCxnSpPr>
+          <p:nvPr/>
+        </p:nvCxnSpPr>
+        <p:spPr>
+          <a:xfrm>
+            <a:off x="26723719" y="24564374"/>
+            <a:ext cx="499953" cy="3300"/>
+          </a:xfrm>
+          <a:prstGeom prst="straightConnector1">
+            <a:avLst/>
+          </a:prstGeom>
+          <a:ln w="50800">
+            <a:solidFill>
+              <a:schemeClr val="tx1">
+                <a:lumMod val="50000"/>
+                <a:lumOff val="50000"/>
+              </a:schemeClr>
+            </a:solidFill>
+            <a:tailEnd type="triangle"/>
+          </a:ln>
+        </p:spPr>
+        <p:style>
+          <a:lnRef idx="1">
+            <a:schemeClr val="accent1"/>
+          </a:lnRef>
+          <a:fillRef idx="0">
+            <a:schemeClr val="accent1"/>
+          </a:fillRef>
+          <a:effectRef idx="0">
+            <a:schemeClr val="accent1"/>
+          </a:effectRef>
+          <a:fontRef idx="minor">
+            <a:schemeClr val="tx1"/>
+          </a:fontRef>
+        </p:style>
+      </p:cxnSp>
+      <p:cxnSp>
+        <p:nvCxnSpPr>
+          <p:cNvPr id="48" name="Elbow Connector 47"/>
+          <p:cNvCxnSpPr>
+            <a:stCxn id="100" idx="3"/>
+            <a:endCxn id="101" idx="1"/>
+          </p:cNvCxnSpPr>
+          <p:nvPr/>
+        </p:nvCxnSpPr>
+        <p:spPr>
+          <a:xfrm flipV="1">
+            <a:off x="28546107" y="24564374"/>
+            <a:ext cx="511320" cy="566121"/>
+          </a:xfrm>
+          <a:prstGeom prst="bentConnector3">
+            <a:avLst/>
+          </a:prstGeom>
+          <a:ln w="50800">
+            <a:solidFill>
+              <a:schemeClr val="tx1">
+                <a:lumMod val="50000"/>
+                <a:lumOff val="50000"/>
+              </a:schemeClr>
+            </a:solidFill>
+            <a:tailEnd type="triangle"/>
+          </a:ln>
+        </p:spPr>
+        <p:style>
+          <a:lnRef idx="1">
+            <a:schemeClr val="accent1"/>
+          </a:lnRef>
+          <a:fillRef idx="0">
+            <a:schemeClr val="accent1"/>
+          </a:fillRef>
+          <a:effectRef idx="0">
+            <a:schemeClr val="accent1"/>
+          </a:effectRef>
+          <a:fontRef idx="minor">
+            <a:schemeClr val="tx1"/>
+          </a:fontRef>
+        </p:style>
+      </p:cxnSp>
+      <p:cxnSp>
+        <p:nvCxnSpPr>
+          <p:cNvPr id="50" name="Elbow Connector 49"/>
+          <p:cNvCxnSpPr>
+            <a:stCxn id="99" idx="3"/>
+            <a:endCxn id="101" idx="1"/>
+          </p:cNvCxnSpPr>
+          <p:nvPr/>
+        </p:nvCxnSpPr>
+        <p:spPr>
+          <a:xfrm>
+            <a:off x="28546107" y="24005153"/>
+            <a:ext cx="511320" cy="559221"/>
+          </a:xfrm>
+          <a:prstGeom prst="bentConnector3">
+            <a:avLst/>
+          </a:prstGeom>
+          <a:ln w="50800">
+            <a:solidFill>
+              <a:schemeClr val="tx1">
+                <a:lumMod val="50000"/>
+                <a:lumOff val="50000"/>
+              </a:schemeClr>
+            </a:solidFill>
+            <a:tailEnd type="triangle"/>
+          </a:ln>
+        </p:spPr>
+        <p:style>
+          <a:lnRef idx="1">
+            <a:schemeClr val="accent1"/>
+          </a:lnRef>
+          <a:fillRef idx="0">
+            <a:schemeClr val="accent1"/>
+          </a:fillRef>
+          <a:effectRef idx="0">
+            <a:schemeClr val="accent1"/>
+          </a:effectRef>
+          <a:fontRef idx="minor">
+            <a:schemeClr val="tx1"/>
+          </a:fontRef>
+        </p:style>
+      </p:cxnSp>
+      <p:cxnSp>
+        <p:nvCxnSpPr>
+          <p:cNvPr id="54" name="Straight Arrow Connector 53"/>
+          <p:cNvCxnSpPr>
+            <a:stCxn id="98" idx="3"/>
+            <a:endCxn id="101" idx="1"/>
+          </p:cNvCxnSpPr>
+          <p:nvPr/>
+        </p:nvCxnSpPr>
+        <p:spPr>
+          <a:xfrm flipV="1">
+            <a:off x="28546107" y="24564374"/>
+            <a:ext cx="511320" cy="3300"/>
+          </a:xfrm>
+          <a:prstGeom prst="straightConnector1">
+            <a:avLst/>
+          </a:prstGeom>
+          <a:ln w="50800">
+            <a:solidFill>
+              <a:schemeClr val="tx1">
+                <a:lumMod val="50000"/>
+                <a:lumOff val="50000"/>
+              </a:schemeClr>
+            </a:solidFill>
+            <a:tailEnd type="triangle"/>
+          </a:ln>
+        </p:spPr>
+        <p:style>
+          <a:lnRef idx="1">
+            <a:schemeClr val="accent1"/>
+          </a:lnRef>
+          <a:fillRef idx="0">
+            <a:schemeClr val="accent1"/>
+          </a:fillRef>
+          <a:effectRef idx="0">
+            <a:schemeClr val="accent1"/>
+          </a:effectRef>
+          <a:fontRef idx="minor">
+            <a:schemeClr val="tx1"/>
+          </a:fontRef>
+        </p:style>
+      </p:cxnSp>
     </p:spTree>
     <p:extLst>
       <p:ext uri="{BB962C8B-B14F-4D97-AF65-F5344CB8AC3E}">
